--- a/week01/Lab01.pptx
+++ b/week01/Lab01.pptx
@@ -5,47 +5,47 @@
     <p:sldMasterId id="2147483648" r:id="rId1"/>
   </p:sldMasterIdLst>
   <p:notesMasterIdLst>
-    <p:notesMasterId r:id="rId21"/>
+    <p:notesMasterId r:id="rId40"/>
   </p:notesMasterIdLst>
   <p:sldIdLst>
-    <p:sldId id="256" r:id="rId3"/>
-    <p:sldId id="477" r:id="rId4"/>
-    <p:sldId id="618" r:id="rId5"/>
-    <p:sldId id="619" r:id="rId6"/>
-    <p:sldId id="495" r:id="rId7"/>
-    <p:sldId id="539" r:id="rId8"/>
-    <p:sldId id="620" r:id="rId9"/>
-    <p:sldId id="616" r:id="rId10"/>
-    <p:sldId id="540" r:id="rId11"/>
-    <p:sldId id="519" r:id="rId12"/>
-    <p:sldId id="621" r:id="rId13"/>
-    <p:sldId id="622" r:id="rId14"/>
-    <p:sldId id="520" r:id="rId15"/>
-    <p:sldId id="623" r:id="rId16"/>
-    <p:sldId id="624" r:id="rId17"/>
-    <p:sldId id="625" r:id="rId18"/>
-    <p:sldId id="626" r:id="rId19"/>
-    <p:sldId id="627" r:id="rId20"/>
-    <p:sldId id="628" r:id="rId22"/>
-    <p:sldId id="631" r:id="rId23"/>
-    <p:sldId id="632" r:id="rId24"/>
-    <p:sldId id="633" r:id="rId25"/>
-    <p:sldId id="634" r:id="rId26"/>
-    <p:sldId id="635" r:id="rId27"/>
-    <p:sldId id="636" r:id="rId28"/>
-    <p:sldId id="637" r:id="rId29"/>
-    <p:sldId id="638" r:id="rId30"/>
-    <p:sldId id="639" r:id="rId31"/>
-    <p:sldId id="640" r:id="rId32"/>
-    <p:sldId id="641" r:id="rId33"/>
-    <p:sldId id="642" r:id="rId34"/>
-    <p:sldId id="643" r:id="rId35"/>
-    <p:sldId id="644" r:id="rId36"/>
-    <p:sldId id="645" r:id="rId37"/>
-    <p:sldId id="646" r:id="rId38"/>
-    <p:sldId id="647" r:id="rId39"/>
-    <p:sldId id="312" r:id="rId40"/>
-    <p:sldId id="615" r:id="rId41"/>
+    <p:sldId id="256" r:id="rId2"/>
+    <p:sldId id="477" r:id="rId3"/>
+    <p:sldId id="618" r:id="rId4"/>
+    <p:sldId id="619" r:id="rId5"/>
+    <p:sldId id="495" r:id="rId6"/>
+    <p:sldId id="539" r:id="rId7"/>
+    <p:sldId id="620" r:id="rId8"/>
+    <p:sldId id="616" r:id="rId9"/>
+    <p:sldId id="540" r:id="rId10"/>
+    <p:sldId id="519" r:id="rId11"/>
+    <p:sldId id="621" r:id="rId12"/>
+    <p:sldId id="622" r:id="rId13"/>
+    <p:sldId id="520" r:id="rId14"/>
+    <p:sldId id="623" r:id="rId15"/>
+    <p:sldId id="624" r:id="rId16"/>
+    <p:sldId id="625" r:id="rId17"/>
+    <p:sldId id="626" r:id="rId18"/>
+    <p:sldId id="627" r:id="rId19"/>
+    <p:sldId id="628" r:id="rId20"/>
+    <p:sldId id="631" r:id="rId21"/>
+    <p:sldId id="632" r:id="rId22"/>
+    <p:sldId id="633" r:id="rId23"/>
+    <p:sldId id="634" r:id="rId24"/>
+    <p:sldId id="635" r:id="rId25"/>
+    <p:sldId id="636" r:id="rId26"/>
+    <p:sldId id="637" r:id="rId27"/>
+    <p:sldId id="638" r:id="rId28"/>
+    <p:sldId id="639" r:id="rId29"/>
+    <p:sldId id="640" r:id="rId30"/>
+    <p:sldId id="641" r:id="rId31"/>
+    <p:sldId id="642" r:id="rId32"/>
+    <p:sldId id="643" r:id="rId33"/>
+    <p:sldId id="644" r:id="rId34"/>
+    <p:sldId id="645" r:id="rId35"/>
+    <p:sldId id="646" r:id="rId36"/>
+    <p:sldId id="647" r:id="rId37"/>
+    <p:sldId id="312" r:id="rId38"/>
+    <p:sldId id="615" r:id="rId39"/>
   </p:sldIdLst>
   <p:sldSz cx="12192000" cy="6858000"/>
   <p:notesSz cx="6858000" cy="9144000"/>
@@ -144,6 +144,11 @@
       </a:defRPr>
     </a:lvl9pPr>
   </p:defaultTextStyle>
+  <p:extLst>
+    <p:ext uri="{EFAFB233-063F-42B5-8137-9DF3F51BA10A}">
+      <p15:sldGuideLst xmlns:p15="http://schemas.microsoft.com/office/powerpoint/2012/main"/>
+    </p:ext>
+  </p:extLst>
 </p:presentation>
 </file>
 
@@ -229,6 +234,7 @@
           <a:p>
             <a:fld id="{40D9677D-AFDD-4D13-A50E-0F3357730A11}" type="datetimeFigureOut">
               <a:rPr lang="zh-CN" altLang="en-US" smtClean="0"/>
+              <a:t>2025/9/19</a:t>
             </a:fld>
             <a:endParaRPr lang="zh-CN" altLang="en-US"/>
           </a:p>
@@ -295,7 +301,6 @@
               <a:rPr lang="zh-CN" altLang="en-US"/>
               <a:t>单击此处编辑母版文本样式</a:t>
             </a:r>
-            <a:endParaRPr lang="zh-CN" altLang="en-US"/>
           </a:p>
           <a:p>
             <a:pPr lvl="1"/>
@@ -303,7 +308,6 @@
               <a:rPr lang="zh-CN" altLang="en-US"/>
               <a:t>二级</a:t>
             </a:r>
-            <a:endParaRPr lang="zh-CN" altLang="en-US"/>
           </a:p>
           <a:p>
             <a:pPr lvl="2"/>
@@ -311,7 +315,6 @@
               <a:rPr lang="zh-CN" altLang="en-US"/>
               <a:t>三级</a:t>
             </a:r>
-            <a:endParaRPr lang="zh-CN" altLang="en-US"/>
           </a:p>
           <a:p>
             <a:pPr lvl="3"/>
@@ -319,7 +322,6 @@
               <a:rPr lang="zh-CN" altLang="en-US"/>
               <a:t>四级</a:t>
             </a:r>
-            <a:endParaRPr lang="zh-CN" altLang="en-US"/>
           </a:p>
           <a:p>
             <a:pPr lvl="4"/>
@@ -327,7 +329,6 @@
               <a:rPr lang="zh-CN" altLang="en-US"/>
               <a:t>五级</a:t>
             </a:r>
-            <a:endParaRPr lang="zh-CN" altLang="en-US"/>
           </a:p>
         </p:txBody>
       </p:sp>
@@ -391,6 +392,7 @@
           <a:p>
             <a:fld id="{44A4C0DF-083E-486D-A298-AE3293F0662C}" type="slidenum">
               <a:rPr lang="zh-CN" altLang="en-US" smtClean="0"/>
+              <a:t>‹#›</a:t>
             </a:fld>
             <a:endParaRPr lang="zh-CN" altLang="en-US"/>
           </a:p>
@@ -513,31 +515,19 @@
       </p:grpSpPr>
       <p:sp>
         <p:nvSpPr>
-          <p:cNvPr id="247810" name="Slide Image Placeholder 1"/>
+          <p:cNvPr id="2" name="幻灯片图像占位符 1"/>
           <p:cNvSpPr>
-            <a:spLocks noGrp="1" noRot="1" noChangeAspect="1" noTextEdit="1"/>
+            <a:spLocks noGrp="1" noRot="1" noChangeAspect="1"/>
           </p:cNvSpPr>
           <p:nvPr>
             <p:ph type="sldImg"/>
           </p:nvPr>
         </p:nvSpPr>
-        <p:spPr bwMode="auto">
-          <a:xfrm>
-            <a:off x="381000" y="685800"/>
-            <a:ext cx="6096000" cy="3429000"/>
-          </a:xfrm>
-          <a:noFill/>
-          <a:ln>
-            <a:solidFill>
-              <a:srgbClr val="000000"/>
-            </a:solidFill>
-            <a:miter lim="800000"/>
-          </a:ln>
-        </p:spPr>
+        <p:spPr/>
       </p:sp>
       <p:sp>
         <p:nvSpPr>
-          <p:cNvPr id="3" name="Notes Placeholder 2"/>
+          <p:cNvPr id="3" name="备注占位符 2"/>
           <p:cNvSpPr>
             <a:spLocks noGrp="1"/>
           </p:cNvSpPr>
@@ -547,21 +537,19 @@
         </p:nvSpPr>
         <p:spPr/>
         <p:txBody>
-          <a:bodyPr wrap="square" numCol="1" anchor="t" anchorCtr="0" compatLnSpc="1"/>
+          <a:bodyPr/>
           <a:lstStyle/>
           <a:p>
-            <a:pPr marL="542925" indent="-542925" eaLnBrk="1" hangingPunct="1">
-              <a:spcBef>
-                <a:spcPct val="0"/>
-              </a:spcBef>
-            </a:pPr>
-            <a:endParaRPr lang="en-US" altLang="zh-CN" dirty="0"/>
+            <a:r>
+              <a:rPr lang="zh-CN" altLang="en-US" dirty="0"/>
+              <a:t>这个命令没用。具体看下一页。</a:t>
+            </a:r>
           </a:p>
         </p:txBody>
       </p:sp>
       <p:sp>
         <p:nvSpPr>
-          <p:cNvPr id="247812" name="Slide Number Placeholder 3"/>
+          <p:cNvPr id="4" name="灯片编号占位符 3"/>
           <p:cNvSpPr>
             <a:spLocks noGrp="1"/>
           </p:cNvSpPr>
@@ -569,47 +557,25 @@
             <p:ph type="sldNum" sz="quarter" idx="5"/>
           </p:nvPr>
         </p:nvSpPr>
-        <p:spPr bwMode="auto">
-          <a:extLst>
-            <a:ext uri="{909E8E84-426E-40DD-AFC4-6F175D3DCCD1}">
-              <a14:hiddenFill xmlns:a14="http://schemas.microsoft.com/office/drawing/2010/main">
-                <a:solidFill>
-                  <a:srgbClr val="FFFFFF"/>
-                </a:solidFill>
-              </a14:hiddenFill>
-            </a:ext>
-            <a:ext uri="{91240B29-F687-4F45-9708-019B960494DF}">
-              <a14:hiddenLine xmlns:a14="http://schemas.microsoft.com/office/drawing/2010/main" w="9525">
-                <a:solidFill>
-                  <a:srgbClr val="000000"/>
-                </a:solidFill>
-                <a:miter lim="800000"/>
-                <a:headEnd/>
-                <a:tailEnd/>
-              </a14:hiddenLine>
-            </a:ext>
-          </a:extLst>
-        </p:spPr>
+        <p:spPr/>
         <p:txBody>
           <a:bodyPr/>
           <a:lstStyle/>
           <a:p>
-            <a:fld id="{CD5C04F1-088D-43BB-BF6A-7E5350A2ABBF}" type="slidenum">
-              <a:rPr lang="en-US" altLang="zh-CN">
-                <a:solidFill>
-                  <a:prstClr val="black"/>
-                </a:solidFill>
-              </a:rPr>
+            <a:fld id="{44A4C0DF-083E-486D-A298-AE3293F0662C}" type="slidenum">
+              <a:rPr lang="zh-CN" altLang="en-US" smtClean="0"/>
+              <a:t>5</a:t>
             </a:fld>
-            <a:endParaRPr lang="en-US" altLang="zh-CN">
-              <a:solidFill>
-                <a:prstClr val="black"/>
-              </a:solidFill>
-            </a:endParaRPr>
+            <a:endParaRPr lang="zh-CN" altLang="en-US"/>
           </a:p>
         </p:txBody>
       </p:sp>
     </p:spTree>
+    <p:extLst>
+      <p:ext uri="{BB962C8B-B14F-4D97-AF65-F5344CB8AC3E}">
+        <p14:creationId xmlns:p14="http://schemas.microsoft.com/office/powerpoint/2010/main" val="1175663780"/>
+      </p:ext>
+    </p:extLst>
   </p:cSld>
   <p:clrMapOvr>
     <a:masterClrMapping/>
@@ -636,27 +602,19 @@
       </p:grpSpPr>
       <p:sp>
         <p:nvSpPr>
-          <p:cNvPr id="247810" name="Slide Image Placeholder 1"/>
+          <p:cNvPr id="2" name="幻灯片图像占位符 1"/>
           <p:cNvSpPr>
-            <a:spLocks noGrp="1" noRot="1" noChangeAspect="1" noTextEdit="1"/>
+            <a:spLocks noGrp="1" noRot="1" noChangeAspect="1"/>
           </p:cNvSpPr>
           <p:nvPr>
             <p:ph type="sldImg"/>
           </p:nvPr>
         </p:nvSpPr>
-        <p:spPr bwMode="auto">
-          <a:noFill/>
-          <a:ln>
-            <a:solidFill>
-              <a:srgbClr val="000000"/>
-            </a:solidFill>
-            <a:miter lim="800000"/>
-          </a:ln>
-        </p:spPr>
+        <p:spPr/>
       </p:sp>
       <p:sp>
         <p:nvSpPr>
-          <p:cNvPr id="3" name="Notes Placeholder 2"/>
+          <p:cNvPr id="3" name="备注占位符 2"/>
           <p:cNvSpPr>
             <a:spLocks noGrp="1"/>
           </p:cNvSpPr>
@@ -666,21 +624,33 @@
         </p:nvSpPr>
         <p:spPr/>
         <p:txBody>
-          <a:bodyPr wrap="square" numCol="1" anchor="t" anchorCtr="0" compatLnSpc="1"/>
+          <a:bodyPr/>
           <a:lstStyle/>
           <a:p>
-            <a:pPr marL="542925" indent="-542925" eaLnBrk="1" hangingPunct="1">
-              <a:spcBef>
-                <a:spcPct val="0"/>
-              </a:spcBef>
-            </a:pPr>
+            <a:r>
+              <a:rPr lang="zh-CN" altLang="en-US" dirty="0"/>
+              <a:t>可以多试几次。</a:t>
+            </a:r>
             <a:endParaRPr lang="en-US" altLang="zh-CN" dirty="0"/>
+          </a:p>
+          <a:p>
+            <a:r>
+              <a:rPr lang="zh-CN" altLang="en-US" dirty="0"/>
+              <a:t>或者先输入下一页的命令再安装。</a:t>
+            </a:r>
+            <a:endParaRPr lang="en-US" altLang="zh-CN" dirty="0"/>
+          </a:p>
+          <a:p>
+            <a:r>
+              <a:rPr lang="zh-CN" altLang="en-US" dirty="0"/>
+              <a:t>有时候可能会卡住，按一下方向键之类的应该可以解卡。</a:t>
+            </a:r>
           </a:p>
         </p:txBody>
       </p:sp>
       <p:sp>
         <p:nvSpPr>
-          <p:cNvPr id="247812" name="Slide Number Placeholder 3"/>
+          <p:cNvPr id="4" name="灯片编号占位符 3"/>
           <p:cNvSpPr>
             <a:spLocks noGrp="1"/>
           </p:cNvSpPr>
@@ -688,47 +658,25 @@
             <p:ph type="sldNum" sz="quarter" idx="5"/>
           </p:nvPr>
         </p:nvSpPr>
-        <p:spPr bwMode="auto">
-          <a:extLst>
-            <a:ext uri="{909E8E84-426E-40DD-AFC4-6F175D3DCCD1}">
-              <a14:hiddenFill xmlns:a14="http://schemas.microsoft.com/office/drawing/2010/main">
-                <a:solidFill>
-                  <a:srgbClr val="FFFFFF"/>
-                </a:solidFill>
-              </a14:hiddenFill>
-            </a:ext>
-            <a:ext uri="{91240B29-F687-4F45-9708-019B960494DF}">
-              <a14:hiddenLine xmlns:a14="http://schemas.microsoft.com/office/drawing/2010/main" w="9525">
-                <a:solidFill>
-                  <a:srgbClr val="000000"/>
-                </a:solidFill>
-                <a:miter lim="800000"/>
-                <a:headEnd/>
-                <a:tailEnd/>
-              </a14:hiddenLine>
-            </a:ext>
-          </a:extLst>
-        </p:spPr>
+        <p:spPr/>
         <p:txBody>
           <a:bodyPr/>
           <a:lstStyle/>
           <a:p>
-            <a:fld id="{CD5C04F1-088D-43BB-BF6A-7E5350A2ABBF}" type="slidenum">
-              <a:rPr lang="en-US" altLang="zh-CN">
-                <a:solidFill>
-                  <a:prstClr val="black"/>
-                </a:solidFill>
-              </a:rPr>
+            <a:fld id="{44A4C0DF-083E-486D-A298-AE3293F0662C}" type="slidenum">
+              <a:rPr lang="zh-CN" altLang="en-US" smtClean="0"/>
+              <a:t>7</a:t>
             </a:fld>
-            <a:endParaRPr lang="en-US" altLang="zh-CN">
-              <a:solidFill>
-                <a:prstClr val="black"/>
-              </a:solidFill>
-            </a:endParaRPr>
+            <a:endParaRPr lang="zh-CN" altLang="en-US"/>
           </a:p>
         </p:txBody>
       </p:sp>
     </p:spTree>
+    <p:extLst>
+      <p:ext uri="{BB962C8B-B14F-4D97-AF65-F5344CB8AC3E}">
+        <p14:creationId xmlns:p14="http://schemas.microsoft.com/office/powerpoint/2010/main" val="594361773"/>
+      </p:ext>
+    </p:extLst>
   </p:cSld>
   <p:clrMapOvr>
     <a:masterClrMapping/>
@@ -755,27 +703,19 @@
       </p:grpSpPr>
       <p:sp>
         <p:nvSpPr>
-          <p:cNvPr id="247810" name="Slide Image Placeholder 1"/>
+          <p:cNvPr id="2" name="幻灯片图像占位符 1"/>
           <p:cNvSpPr>
-            <a:spLocks noGrp="1" noRot="1" noChangeAspect="1" noTextEdit="1"/>
+            <a:spLocks noGrp="1" noRot="1" noChangeAspect="1"/>
           </p:cNvSpPr>
           <p:nvPr>
             <p:ph type="sldImg"/>
           </p:nvPr>
         </p:nvSpPr>
-        <p:spPr bwMode="auto">
-          <a:noFill/>
-          <a:ln>
-            <a:solidFill>
-              <a:srgbClr val="000000"/>
-            </a:solidFill>
-            <a:miter lim="800000"/>
-          </a:ln>
-        </p:spPr>
+        <p:spPr/>
       </p:sp>
       <p:sp>
         <p:nvSpPr>
-          <p:cNvPr id="3" name="Notes Placeholder 2"/>
+          <p:cNvPr id="3" name="备注占位符 2"/>
           <p:cNvSpPr>
             <a:spLocks noGrp="1"/>
           </p:cNvSpPr>
@@ -785,21 +725,19 @@
         </p:nvSpPr>
         <p:spPr/>
         <p:txBody>
-          <a:bodyPr wrap="square" numCol="1" anchor="t" anchorCtr="0" compatLnSpc="1"/>
+          <a:bodyPr/>
           <a:lstStyle/>
           <a:p>
-            <a:pPr marL="542925" indent="-542925" eaLnBrk="1" hangingPunct="1">
-              <a:spcBef>
-                <a:spcPct val="0"/>
-              </a:spcBef>
-            </a:pPr>
-            <a:endParaRPr lang="en-US" altLang="zh-CN" dirty="0"/>
+            <a:r>
+              <a:rPr lang="zh-CN" altLang="en-US" dirty="0"/>
+              <a:t>记得重启。</a:t>
+            </a:r>
           </a:p>
         </p:txBody>
       </p:sp>
       <p:sp>
         <p:nvSpPr>
-          <p:cNvPr id="247812" name="Slide Number Placeholder 3"/>
+          <p:cNvPr id="4" name="灯片编号占位符 3"/>
           <p:cNvSpPr>
             <a:spLocks noGrp="1"/>
           </p:cNvSpPr>
@@ -807,47 +745,25 @@
             <p:ph type="sldNum" sz="quarter" idx="5"/>
           </p:nvPr>
         </p:nvSpPr>
-        <p:spPr bwMode="auto">
-          <a:extLst>
-            <a:ext uri="{909E8E84-426E-40DD-AFC4-6F175D3DCCD1}">
-              <a14:hiddenFill xmlns:a14="http://schemas.microsoft.com/office/drawing/2010/main">
-                <a:solidFill>
-                  <a:srgbClr val="FFFFFF"/>
-                </a:solidFill>
-              </a14:hiddenFill>
-            </a:ext>
-            <a:ext uri="{91240B29-F687-4F45-9708-019B960494DF}">
-              <a14:hiddenLine xmlns:a14="http://schemas.microsoft.com/office/drawing/2010/main" w="9525">
-                <a:solidFill>
-                  <a:srgbClr val="000000"/>
-                </a:solidFill>
-                <a:miter lim="800000"/>
-                <a:headEnd/>
-                <a:tailEnd/>
-              </a14:hiddenLine>
-            </a:ext>
-          </a:extLst>
-        </p:spPr>
+        <p:spPr/>
         <p:txBody>
           <a:bodyPr/>
           <a:lstStyle/>
           <a:p>
-            <a:fld id="{CD5C04F1-088D-43BB-BF6A-7E5350A2ABBF}" type="slidenum">
-              <a:rPr lang="en-US" altLang="zh-CN">
-                <a:solidFill>
-                  <a:prstClr val="black"/>
-                </a:solidFill>
-              </a:rPr>
+            <a:fld id="{44A4C0DF-083E-486D-A298-AE3293F0662C}" type="slidenum">
+              <a:rPr lang="zh-CN" altLang="en-US" smtClean="0"/>
+              <a:t>8</a:t>
             </a:fld>
-            <a:endParaRPr lang="en-US" altLang="zh-CN">
-              <a:solidFill>
-                <a:prstClr val="black"/>
-              </a:solidFill>
-            </a:endParaRPr>
+            <a:endParaRPr lang="zh-CN" altLang="en-US"/>
           </a:p>
         </p:txBody>
       </p:sp>
     </p:spTree>
+    <p:extLst>
+      <p:ext uri="{BB962C8B-B14F-4D97-AF65-F5344CB8AC3E}">
+        <p14:creationId xmlns:p14="http://schemas.microsoft.com/office/powerpoint/2010/main" val="1274134365"/>
+      </p:ext>
+    </p:extLst>
   </p:cSld>
   <p:clrMapOvr>
     <a:masterClrMapping/>
@@ -874,31 +790,19 @@
       </p:grpSpPr>
       <p:sp>
         <p:nvSpPr>
-          <p:cNvPr id="247810" name="Slide Image Placeholder 1"/>
+          <p:cNvPr id="2" name="幻灯片图像占位符 1"/>
           <p:cNvSpPr>
-            <a:spLocks noGrp="1" noRot="1" noChangeAspect="1" noTextEdit="1"/>
+            <a:spLocks noGrp="1" noRot="1" noChangeAspect="1"/>
           </p:cNvSpPr>
           <p:nvPr>
             <p:ph type="sldImg"/>
           </p:nvPr>
         </p:nvSpPr>
-        <p:spPr bwMode="auto">
-          <a:xfrm>
-            <a:off x="381000" y="685800"/>
-            <a:ext cx="6096000" cy="3429000"/>
-          </a:xfrm>
-          <a:noFill/>
-          <a:ln>
-            <a:solidFill>
-              <a:srgbClr val="000000"/>
-            </a:solidFill>
-            <a:miter lim="800000"/>
-          </a:ln>
-        </p:spPr>
+        <p:spPr/>
       </p:sp>
       <p:sp>
         <p:nvSpPr>
-          <p:cNvPr id="3" name="Notes Placeholder 2"/>
+          <p:cNvPr id="3" name="备注占位符 2"/>
           <p:cNvSpPr>
             <a:spLocks noGrp="1"/>
           </p:cNvSpPr>
@@ -908,21 +812,16 @@
         </p:nvSpPr>
         <p:spPr/>
         <p:txBody>
-          <a:bodyPr wrap="square" numCol="1" anchor="t" anchorCtr="0" compatLnSpc="1"/>
+          <a:bodyPr/>
           <a:lstStyle/>
           <a:p>
-            <a:pPr marL="542925" indent="-542925" eaLnBrk="1" hangingPunct="1">
-              <a:spcBef>
-                <a:spcPct val="0"/>
-              </a:spcBef>
-            </a:pPr>
-            <a:endParaRPr lang="en-US" altLang="zh-CN" dirty="0"/>
+            <a:endParaRPr lang="zh-CN" altLang="en-US" dirty="0"/>
           </a:p>
         </p:txBody>
       </p:sp>
       <p:sp>
         <p:nvSpPr>
-          <p:cNvPr id="247812" name="Slide Number Placeholder 3"/>
+          <p:cNvPr id="4" name="灯片编号占位符 3"/>
           <p:cNvSpPr>
             <a:spLocks noGrp="1"/>
           </p:cNvSpPr>
@@ -930,47 +829,25 @@
             <p:ph type="sldNum" sz="quarter" idx="5"/>
           </p:nvPr>
         </p:nvSpPr>
-        <p:spPr bwMode="auto">
-          <a:extLst>
-            <a:ext uri="{909E8E84-426E-40DD-AFC4-6F175D3DCCD1}">
-              <a14:hiddenFill xmlns:a14="http://schemas.microsoft.com/office/drawing/2010/main">
-                <a:solidFill>
-                  <a:srgbClr val="FFFFFF"/>
-                </a:solidFill>
-              </a14:hiddenFill>
-            </a:ext>
-            <a:ext uri="{91240B29-F687-4F45-9708-019B960494DF}">
-              <a14:hiddenLine xmlns:a14="http://schemas.microsoft.com/office/drawing/2010/main" w="9525">
-                <a:solidFill>
-                  <a:srgbClr val="000000"/>
-                </a:solidFill>
-                <a:miter lim="800000"/>
-                <a:headEnd/>
-                <a:tailEnd/>
-              </a14:hiddenLine>
-            </a:ext>
-          </a:extLst>
-        </p:spPr>
+        <p:spPr/>
         <p:txBody>
           <a:bodyPr/>
           <a:lstStyle/>
           <a:p>
-            <a:fld id="{CD5C04F1-088D-43BB-BF6A-7E5350A2ABBF}" type="slidenum">
-              <a:rPr lang="en-US" altLang="zh-CN">
-                <a:solidFill>
-                  <a:prstClr val="black"/>
-                </a:solidFill>
-              </a:rPr>
+            <a:fld id="{44A4C0DF-083E-486D-A298-AE3293F0662C}" type="slidenum">
+              <a:rPr lang="zh-CN" altLang="en-US" smtClean="0"/>
+              <a:t>9</a:t>
             </a:fld>
-            <a:endParaRPr lang="en-US" altLang="zh-CN">
-              <a:solidFill>
-                <a:prstClr val="black"/>
-              </a:solidFill>
-            </a:endParaRPr>
+            <a:endParaRPr lang="zh-CN" altLang="en-US"/>
           </a:p>
         </p:txBody>
       </p:sp>
     </p:spTree>
+    <p:extLst>
+      <p:ext uri="{BB962C8B-B14F-4D97-AF65-F5344CB8AC3E}">
+        <p14:creationId xmlns:p14="http://schemas.microsoft.com/office/powerpoint/2010/main" val="1070226337"/>
+      </p:ext>
+    </p:extLst>
   </p:cSld>
   <p:clrMapOvr>
     <a:masterClrMapping/>
@@ -1084,6 +961,515 @@
                   <a:prstClr val="black"/>
                 </a:solidFill>
               </a:rPr>
+              <a:t>18</a:t>
+            </a:fld>
+            <a:endParaRPr lang="en-US" altLang="zh-CN">
+              <a:solidFill>
+                <a:prstClr val="black"/>
+              </a:solidFill>
+            </a:endParaRPr>
+          </a:p>
+        </p:txBody>
+      </p:sp>
+    </p:spTree>
+  </p:cSld>
+  <p:clrMapOvr>
+    <a:masterClrMapping/>
+  </p:clrMapOvr>
+</p:notes>
+</file>
+
+<file path=ppt/notesSlides/notesSlide6.xml><?xml version="1.0" encoding="utf-8"?>
+<p:notes xmlns:a="http://schemas.openxmlformats.org/drawingml/2006/main" xmlns:r="http://schemas.openxmlformats.org/officeDocument/2006/relationships" xmlns:p="http://schemas.openxmlformats.org/presentationml/2006/main">
+  <p:cSld>
+    <p:spTree>
+      <p:nvGrpSpPr>
+        <p:cNvPr id="1" name=""/>
+        <p:cNvGrpSpPr/>
+        <p:nvPr/>
+      </p:nvGrpSpPr>
+      <p:grpSpPr>
+        <a:xfrm>
+          <a:off x="0" y="0"/>
+          <a:ext cx="0" cy="0"/>
+          <a:chOff x="0" y="0"/>
+          <a:chExt cx="0" cy="0"/>
+        </a:xfrm>
+      </p:grpSpPr>
+      <p:sp>
+        <p:nvSpPr>
+          <p:cNvPr id="247810" name="Slide Image Placeholder 1"/>
+          <p:cNvSpPr>
+            <a:spLocks noGrp="1" noRot="1" noChangeAspect="1" noTextEdit="1"/>
+          </p:cNvSpPr>
+          <p:nvPr>
+            <p:ph type="sldImg"/>
+          </p:nvPr>
+        </p:nvSpPr>
+        <p:spPr bwMode="auto">
+          <a:noFill/>
+          <a:ln>
+            <a:solidFill>
+              <a:srgbClr val="000000"/>
+            </a:solidFill>
+            <a:miter lim="800000"/>
+          </a:ln>
+        </p:spPr>
+      </p:sp>
+      <p:sp>
+        <p:nvSpPr>
+          <p:cNvPr id="3" name="Notes Placeholder 2"/>
+          <p:cNvSpPr>
+            <a:spLocks noGrp="1"/>
+          </p:cNvSpPr>
+          <p:nvPr>
+            <p:ph type="body" idx="1"/>
+          </p:nvPr>
+        </p:nvSpPr>
+        <p:spPr/>
+        <p:txBody>
+          <a:bodyPr wrap="square" numCol="1" anchor="t" anchorCtr="0" compatLnSpc="1"/>
+          <a:lstStyle/>
+          <a:p>
+            <a:pPr marL="542925" indent="-542925" eaLnBrk="1" hangingPunct="1">
+              <a:spcBef>
+                <a:spcPct val="0"/>
+              </a:spcBef>
+            </a:pPr>
+            <a:endParaRPr lang="en-US" altLang="zh-CN" dirty="0"/>
+          </a:p>
+        </p:txBody>
+      </p:sp>
+      <p:sp>
+        <p:nvSpPr>
+          <p:cNvPr id="247812" name="Slide Number Placeholder 3"/>
+          <p:cNvSpPr>
+            <a:spLocks noGrp="1"/>
+          </p:cNvSpPr>
+          <p:nvPr>
+            <p:ph type="sldNum" sz="quarter" idx="5"/>
+          </p:nvPr>
+        </p:nvSpPr>
+        <p:spPr bwMode="auto">
+          <a:extLst>
+            <a:ext uri="{909E8E84-426E-40DD-AFC4-6F175D3DCCD1}">
+              <a14:hiddenFill xmlns:a14="http://schemas.microsoft.com/office/drawing/2010/main">
+                <a:solidFill>
+                  <a:srgbClr val="FFFFFF"/>
+                </a:solidFill>
+              </a14:hiddenFill>
+            </a:ext>
+            <a:ext uri="{91240B29-F687-4F45-9708-019B960494DF}">
+              <a14:hiddenLine xmlns:a14="http://schemas.microsoft.com/office/drawing/2010/main" w="9525">
+                <a:solidFill>
+                  <a:srgbClr val="000000"/>
+                </a:solidFill>
+                <a:miter lim="800000"/>
+                <a:headEnd/>
+                <a:tailEnd/>
+              </a14:hiddenLine>
+            </a:ext>
+          </a:extLst>
+        </p:spPr>
+        <p:txBody>
+          <a:bodyPr/>
+          <a:lstStyle/>
+          <a:p>
+            <a:fld id="{CD5C04F1-088D-43BB-BF6A-7E5350A2ABBF}" type="slidenum">
+              <a:rPr lang="en-US" altLang="zh-CN">
+                <a:solidFill>
+                  <a:prstClr val="black"/>
+                </a:solidFill>
+              </a:rPr>
+              <a:t>34</a:t>
+            </a:fld>
+            <a:endParaRPr lang="en-US" altLang="zh-CN">
+              <a:solidFill>
+                <a:prstClr val="black"/>
+              </a:solidFill>
+            </a:endParaRPr>
+          </a:p>
+        </p:txBody>
+      </p:sp>
+    </p:spTree>
+  </p:cSld>
+  <p:clrMapOvr>
+    <a:masterClrMapping/>
+  </p:clrMapOvr>
+</p:notes>
+</file>
+
+<file path=ppt/notesSlides/notesSlide7.xml><?xml version="1.0" encoding="utf-8"?>
+<p:notes xmlns:a="http://schemas.openxmlformats.org/drawingml/2006/main" xmlns:r="http://schemas.openxmlformats.org/officeDocument/2006/relationships" xmlns:p="http://schemas.openxmlformats.org/presentationml/2006/main">
+  <p:cSld>
+    <p:spTree>
+      <p:nvGrpSpPr>
+        <p:cNvPr id="1" name=""/>
+        <p:cNvGrpSpPr/>
+        <p:nvPr/>
+      </p:nvGrpSpPr>
+      <p:grpSpPr>
+        <a:xfrm>
+          <a:off x="0" y="0"/>
+          <a:ext cx="0" cy="0"/>
+          <a:chOff x="0" y="0"/>
+          <a:chExt cx="0" cy="0"/>
+        </a:xfrm>
+      </p:grpSpPr>
+      <p:sp>
+        <p:nvSpPr>
+          <p:cNvPr id="247810" name="Slide Image Placeholder 1"/>
+          <p:cNvSpPr>
+            <a:spLocks noGrp="1" noRot="1" noChangeAspect="1" noTextEdit="1"/>
+          </p:cNvSpPr>
+          <p:nvPr>
+            <p:ph type="sldImg"/>
+          </p:nvPr>
+        </p:nvSpPr>
+        <p:spPr bwMode="auto">
+          <a:noFill/>
+          <a:ln>
+            <a:solidFill>
+              <a:srgbClr val="000000"/>
+            </a:solidFill>
+            <a:miter lim="800000"/>
+          </a:ln>
+        </p:spPr>
+      </p:sp>
+      <p:sp>
+        <p:nvSpPr>
+          <p:cNvPr id="3" name="Notes Placeholder 2"/>
+          <p:cNvSpPr>
+            <a:spLocks noGrp="1"/>
+          </p:cNvSpPr>
+          <p:nvPr>
+            <p:ph type="body" idx="1"/>
+          </p:nvPr>
+        </p:nvSpPr>
+        <p:spPr/>
+        <p:txBody>
+          <a:bodyPr wrap="square" numCol="1" anchor="t" anchorCtr="0" compatLnSpc="1"/>
+          <a:lstStyle/>
+          <a:p>
+            <a:pPr marL="542925" indent="-542925" eaLnBrk="1" hangingPunct="1">
+              <a:spcBef>
+                <a:spcPct val="0"/>
+              </a:spcBef>
+            </a:pPr>
+            <a:endParaRPr lang="en-US" altLang="zh-CN" dirty="0"/>
+          </a:p>
+        </p:txBody>
+      </p:sp>
+      <p:sp>
+        <p:nvSpPr>
+          <p:cNvPr id="247812" name="Slide Number Placeholder 3"/>
+          <p:cNvSpPr>
+            <a:spLocks noGrp="1"/>
+          </p:cNvSpPr>
+          <p:nvPr>
+            <p:ph type="sldNum" sz="quarter" idx="5"/>
+          </p:nvPr>
+        </p:nvSpPr>
+        <p:spPr bwMode="auto">
+          <a:extLst>
+            <a:ext uri="{909E8E84-426E-40DD-AFC4-6F175D3DCCD1}">
+              <a14:hiddenFill xmlns:a14="http://schemas.microsoft.com/office/drawing/2010/main">
+                <a:solidFill>
+                  <a:srgbClr val="FFFFFF"/>
+                </a:solidFill>
+              </a14:hiddenFill>
+            </a:ext>
+            <a:ext uri="{91240B29-F687-4F45-9708-019B960494DF}">
+              <a14:hiddenLine xmlns:a14="http://schemas.microsoft.com/office/drawing/2010/main" w="9525">
+                <a:solidFill>
+                  <a:srgbClr val="000000"/>
+                </a:solidFill>
+                <a:miter lim="800000"/>
+                <a:headEnd/>
+                <a:tailEnd/>
+              </a14:hiddenLine>
+            </a:ext>
+          </a:extLst>
+        </p:spPr>
+        <p:txBody>
+          <a:bodyPr/>
+          <a:lstStyle/>
+          <a:p>
+            <a:fld id="{CD5C04F1-088D-43BB-BF6A-7E5350A2ABBF}" type="slidenum">
+              <a:rPr lang="en-US" altLang="zh-CN">
+                <a:solidFill>
+                  <a:prstClr val="black"/>
+                </a:solidFill>
+              </a:rPr>
+              <a:t>36</a:t>
+            </a:fld>
+            <a:endParaRPr lang="en-US" altLang="zh-CN">
+              <a:solidFill>
+                <a:prstClr val="black"/>
+              </a:solidFill>
+            </a:endParaRPr>
+          </a:p>
+        </p:txBody>
+      </p:sp>
+    </p:spTree>
+  </p:cSld>
+  <p:clrMapOvr>
+    <a:masterClrMapping/>
+  </p:clrMapOvr>
+</p:notes>
+</file>
+
+<file path=ppt/notesSlides/notesSlide8.xml><?xml version="1.0" encoding="utf-8"?>
+<p:notes xmlns:a="http://schemas.openxmlformats.org/drawingml/2006/main" xmlns:r="http://schemas.openxmlformats.org/officeDocument/2006/relationships" xmlns:p="http://schemas.openxmlformats.org/presentationml/2006/main">
+  <p:cSld>
+    <p:spTree>
+      <p:nvGrpSpPr>
+        <p:cNvPr id="1" name=""/>
+        <p:cNvGrpSpPr/>
+        <p:nvPr/>
+      </p:nvGrpSpPr>
+      <p:grpSpPr>
+        <a:xfrm>
+          <a:off x="0" y="0"/>
+          <a:ext cx="0" cy="0"/>
+          <a:chOff x="0" y="0"/>
+          <a:chExt cx="0" cy="0"/>
+        </a:xfrm>
+      </p:grpSpPr>
+      <p:sp>
+        <p:nvSpPr>
+          <p:cNvPr id="247810" name="Slide Image Placeholder 1"/>
+          <p:cNvSpPr>
+            <a:spLocks noGrp="1" noRot="1" noChangeAspect="1" noTextEdit="1"/>
+          </p:cNvSpPr>
+          <p:nvPr>
+            <p:ph type="sldImg"/>
+          </p:nvPr>
+        </p:nvSpPr>
+        <p:spPr bwMode="auto">
+          <a:xfrm>
+            <a:off x="381000" y="685800"/>
+            <a:ext cx="6096000" cy="3429000"/>
+          </a:xfrm>
+          <a:noFill/>
+          <a:ln>
+            <a:solidFill>
+              <a:srgbClr val="000000"/>
+            </a:solidFill>
+            <a:miter lim="800000"/>
+          </a:ln>
+        </p:spPr>
+      </p:sp>
+      <p:sp>
+        <p:nvSpPr>
+          <p:cNvPr id="3" name="Notes Placeholder 2"/>
+          <p:cNvSpPr>
+            <a:spLocks noGrp="1"/>
+          </p:cNvSpPr>
+          <p:nvPr>
+            <p:ph type="body" idx="1"/>
+          </p:nvPr>
+        </p:nvSpPr>
+        <p:spPr/>
+        <p:txBody>
+          <a:bodyPr wrap="square" numCol="1" anchor="t" anchorCtr="0" compatLnSpc="1"/>
+          <a:lstStyle/>
+          <a:p>
+            <a:pPr marL="542925" indent="-542925" eaLnBrk="1" hangingPunct="1">
+              <a:spcBef>
+                <a:spcPct val="0"/>
+              </a:spcBef>
+            </a:pPr>
+            <a:endParaRPr lang="en-US" altLang="zh-CN" dirty="0"/>
+          </a:p>
+        </p:txBody>
+      </p:sp>
+      <p:sp>
+        <p:nvSpPr>
+          <p:cNvPr id="247812" name="Slide Number Placeholder 3"/>
+          <p:cNvSpPr>
+            <a:spLocks noGrp="1"/>
+          </p:cNvSpPr>
+          <p:nvPr>
+            <p:ph type="sldNum" sz="quarter" idx="5"/>
+          </p:nvPr>
+        </p:nvSpPr>
+        <p:spPr bwMode="auto">
+          <a:extLst>
+            <a:ext uri="{909E8E84-426E-40DD-AFC4-6F175D3DCCD1}">
+              <a14:hiddenFill xmlns:a14="http://schemas.microsoft.com/office/drawing/2010/main">
+                <a:solidFill>
+                  <a:srgbClr val="FFFFFF"/>
+                </a:solidFill>
+              </a14:hiddenFill>
+            </a:ext>
+            <a:ext uri="{91240B29-F687-4F45-9708-019B960494DF}">
+              <a14:hiddenLine xmlns:a14="http://schemas.microsoft.com/office/drawing/2010/main" w="9525">
+                <a:solidFill>
+                  <a:srgbClr val="000000"/>
+                </a:solidFill>
+                <a:miter lim="800000"/>
+                <a:headEnd/>
+                <a:tailEnd/>
+              </a14:hiddenLine>
+            </a:ext>
+          </a:extLst>
+        </p:spPr>
+        <p:txBody>
+          <a:bodyPr/>
+          <a:lstStyle/>
+          <a:p>
+            <a:fld id="{CD5C04F1-088D-43BB-BF6A-7E5350A2ABBF}" type="slidenum">
+              <a:rPr lang="en-US" altLang="zh-CN">
+                <a:solidFill>
+                  <a:prstClr val="black"/>
+                </a:solidFill>
+              </a:rPr>
+              <a:t>37</a:t>
+            </a:fld>
+            <a:endParaRPr lang="en-US" altLang="zh-CN">
+              <a:solidFill>
+                <a:prstClr val="black"/>
+              </a:solidFill>
+            </a:endParaRPr>
+          </a:p>
+        </p:txBody>
+      </p:sp>
+    </p:spTree>
+  </p:cSld>
+  <p:clrMapOvr>
+    <a:masterClrMapping/>
+  </p:clrMapOvr>
+</p:notes>
+</file>
+
+<file path=ppt/notesSlides/notesSlide9.xml><?xml version="1.0" encoding="utf-8"?>
+<p:notes xmlns:a="http://schemas.openxmlformats.org/drawingml/2006/main" xmlns:r="http://schemas.openxmlformats.org/officeDocument/2006/relationships" xmlns:p="http://schemas.openxmlformats.org/presentationml/2006/main">
+  <p:cSld>
+    <p:spTree>
+      <p:nvGrpSpPr>
+        <p:cNvPr id="1" name=""/>
+        <p:cNvGrpSpPr/>
+        <p:nvPr/>
+      </p:nvGrpSpPr>
+      <p:grpSpPr>
+        <a:xfrm>
+          <a:off x="0" y="0"/>
+          <a:ext cx="0" cy="0"/>
+          <a:chOff x="0" y="0"/>
+          <a:chExt cx="0" cy="0"/>
+        </a:xfrm>
+      </p:grpSpPr>
+      <p:sp>
+        <p:nvSpPr>
+          <p:cNvPr id="247810" name="Slide Image Placeholder 1"/>
+          <p:cNvSpPr>
+            <a:spLocks noGrp="1" noRot="1" noChangeAspect="1" noTextEdit="1"/>
+          </p:cNvSpPr>
+          <p:nvPr>
+            <p:ph type="sldImg"/>
+          </p:nvPr>
+        </p:nvSpPr>
+        <p:spPr bwMode="auto">
+          <a:xfrm>
+            <a:off x="381000" y="685800"/>
+            <a:ext cx="6096000" cy="3429000"/>
+          </a:xfrm>
+          <a:noFill/>
+          <a:ln>
+            <a:solidFill>
+              <a:srgbClr val="000000"/>
+            </a:solidFill>
+            <a:miter lim="800000"/>
+          </a:ln>
+        </p:spPr>
+      </p:sp>
+      <p:sp>
+        <p:nvSpPr>
+          <p:cNvPr id="3" name="Notes Placeholder 2"/>
+          <p:cNvSpPr>
+            <a:spLocks noGrp="1"/>
+          </p:cNvSpPr>
+          <p:nvPr>
+            <p:ph type="body" idx="1"/>
+          </p:nvPr>
+        </p:nvSpPr>
+        <p:spPr/>
+        <p:txBody>
+          <a:bodyPr wrap="square" numCol="1" anchor="t" anchorCtr="0" compatLnSpc="1"/>
+          <a:lstStyle/>
+          <a:p>
+            <a:pPr marL="542925" indent="-542925" eaLnBrk="1" hangingPunct="1">
+              <a:spcBef>
+                <a:spcPct val="0"/>
+              </a:spcBef>
+            </a:pPr>
+            <a:r>
+              <a:rPr lang="zh-CN" altLang="en-US" dirty="0"/>
+              <a:t>记得先找</a:t>
+            </a:r>
+            <a:r>
+              <a:rPr lang="en-US" altLang="zh-CN" dirty="0"/>
+              <a:t>BUG</a:t>
+            </a:r>
+            <a:r>
+              <a:rPr lang="zh-CN" altLang="en-US" dirty="0"/>
+              <a:t>，这个程序很多</a:t>
+            </a:r>
+            <a:r>
+              <a:rPr lang="en-US" altLang="zh-CN" dirty="0"/>
+              <a:t>BUG</a:t>
+            </a:r>
+            <a:r>
+              <a:rPr lang="zh-CN" altLang="en-US" dirty="0"/>
+              <a:t>。</a:t>
+            </a:r>
+            <a:endParaRPr lang="en-US" altLang="zh-CN" dirty="0"/>
+          </a:p>
+        </p:txBody>
+      </p:sp>
+      <p:sp>
+        <p:nvSpPr>
+          <p:cNvPr id="247812" name="Slide Number Placeholder 3"/>
+          <p:cNvSpPr>
+            <a:spLocks noGrp="1"/>
+          </p:cNvSpPr>
+          <p:nvPr>
+            <p:ph type="sldNum" sz="quarter" idx="5"/>
+          </p:nvPr>
+        </p:nvSpPr>
+        <p:spPr bwMode="auto">
+          <a:extLst>
+            <a:ext uri="{909E8E84-426E-40DD-AFC4-6F175D3DCCD1}">
+              <a14:hiddenFill xmlns:a14="http://schemas.microsoft.com/office/drawing/2010/main">
+                <a:solidFill>
+                  <a:srgbClr val="FFFFFF"/>
+                </a:solidFill>
+              </a14:hiddenFill>
+            </a:ext>
+            <a:ext uri="{91240B29-F687-4F45-9708-019B960494DF}">
+              <a14:hiddenLine xmlns:a14="http://schemas.microsoft.com/office/drawing/2010/main" w="9525">
+                <a:solidFill>
+                  <a:srgbClr val="000000"/>
+                </a:solidFill>
+                <a:miter lim="800000"/>
+                <a:headEnd/>
+                <a:tailEnd/>
+              </a14:hiddenLine>
+            </a:ext>
+          </a:extLst>
+        </p:spPr>
+        <p:txBody>
+          <a:bodyPr/>
+          <a:lstStyle/>
+          <a:p>
+            <a:fld id="{CD5C04F1-088D-43BB-BF6A-7E5350A2ABBF}" type="slidenum">
+              <a:rPr lang="en-US" altLang="zh-CN">
+                <a:solidFill>
+                  <a:prstClr val="black"/>
+                </a:solidFill>
+              </a:rPr>
+              <a:t>38</a:t>
             </a:fld>
             <a:endParaRPr lang="en-US" altLang="zh-CN">
               <a:solidFill>
@@ -1146,7 +1532,6 @@
               <a:rPr lang="zh-CN" altLang="en-US"/>
               <a:t>单击此处编辑母版标题样式</a:t>
             </a:r>
-            <a:endParaRPr lang="zh-CN" altLang="en-US"/>
           </a:p>
         </p:txBody>
       </p:sp>
@@ -1211,7 +1596,6 @@
               <a:rPr lang="zh-CN" altLang="en-US" dirty="0"/>
               <a:t>单击此处编辑母版副标题样式</a:t>
             </a:r>
-            <a:endParaRPr lang="zh-CN" altLang="en-US" dirty="0"/>
           </a:p>
         </p:txBody>
       </p:sp>
@@ -1232,6 +1616,7 @@
           <a:p>
             <a:fld id="{FC19A4FA-3D9A-4114-B0D5-759CBD56F1AB}" type="datetimeFigureOut">
               <a:rPr lang="zh-CN" altLang="en-US" smtClean="0"/>
+              <a:t>2025/9/19</a:t>
             </a:fld>
             <a:endParaRPr lang="zh-CN" altLang="en-US"/>
           </a:p>
@@ -1273,6 +1658,7 @@
           <a:p>
             <a:fld id="{506F4176-339E-4C4B-80E4-BBE9C4467EFE}" type="slidenum">
               <a:rPr lang="zh-CN" altLang="en-US" smtClean="0"/>
+              <a:t>‹#›</a:t>
             </a:fld>
             <a:endParaRPr lang="zh-CN" altLang="en-US"/>
           </a:p>
@@ -1353,7 +1739,6 @@
               <a:rPr lang="zh-CN" altLang="en-US"/>
               <a:t>单击此处编辑母版标题样式</a:t>
             </a:r>
-            <a:endParaRPr lang="zh-CN" altLang="en-US"/>
           </a:p>
         </p:txBody>
       </p:sp>
@@ -1377,7 +1762,6 @@
               <a:rPr lang="zh-CN" altLang="en-US"/>
               <a:t>单击此处编辑母版文本样式</a:t>
             </a:r>
-            <a:endParaRPr lang="zh-CN" altLang="en-US"/>
           </a:p>
           <a:p>
             <a:pPr lvl="1"/>
@@ -1385,7 +1769,6 @@
               <a:rPr lang="zh-CN" altLang="en-US"/>
               <a:t>第二级</a:t>
             </a:r>
-            <a:endParaRPr lang="zh-CN" altLang="en-US"/>
           </a:p>
           <a:p>
             <a:pPr lvl="2"/>
@@ -1393,7 +1776,6 @@
               <a:rPr lang="zh-CN" altLang="en-US"/>
               <a:t>第三级</a:t>
             </a:r>
-            <a:endParaRPr lang="zh-CN" altLang="en-US"/>
           </a:p>
           <a:p>
             <a:pPr lvl="3"/>
@@ -1401,7 +1783,6 @@
               <a:rPr lang="zh-CN" altLang="en-US"/>
               <a:t>第四级</a:t>
             </a:r>
-            <a:endParaRPr lang="zh-CN" altLang="en-US"/>
           </a:p>
           <a:p>
             <a:pPr lvl="4"/>
@@ -1409,7 +1790,6 @@
               <a:rPr lang="zh-CN" altLang="en-US"/>
               <a:t>第五级</a:t>
             </a:r>
-            <a:endParaRPr lang="zh-CN" altLang="en-US"/>
           </a:p>
         </p:txBody>
       </p:sp>
@@ -1430,6 +1810,7 @@
           <a:p>
             <a:fld id="{FC19A4FA-3D9A-4114-B0D5-759CBD56F1AB}" type="datetimeFigureOut">
               <a:rPr lang="zh-CN" altLang="en-US" smtClean="0"/>
+              <a:t>2025/9/19</a:t>
             </a:fld>
             <a:endParaRPr lang="zh-CN" altLang="en-US"/>
           </a:p>
@@ -1471,6 +1852,7 @@
           <a:p>
             <a:fld id="{506F4176-339E-4C4B-80E4-BBE9C4467EFE}" type="slidenum">
               <a:rPr lang="zh-CN" altLang="en-US" smtClean="0"/>
+              <a:t>‹#›</a:t>
             </a:fld>
             <a:endParaRPr lang="zh-CN" altLang="en-US"/>
           </a:p>
@@ -1525,7 +1907,6 @@
               <a:rPr lang="zh-CN" altLang="en-US"/>
               <a:t>单击此处编辑母版标题样式</a:t>
             </a:r>
-            <a:endParaRPr lang="zh-CN" altLang="en-US"/>
           </a:p>
         </p:txBody>
       </p:sp>
@@ -1554,7 +1935,6 @@
               <a:rPr lang="zh-CN" altLang="en-US"/>
               <a:t>单击此处编辑母版文本样式</a:t>
             </a:r>
-            <a:endParaRPr lang="zh-CN" altLang="en-US"/>
           </a:p>
           <a:p>
             <a:pPr lvl="1"/>
@@ -1562,7 +1942,6 @@
               <a:rPr lang="zh-CN" altLang="en-US"/>
               <a:t>第二级</a:t>
             </a:r>
-            <a:endParaRPr lang="zh-CN" altLang="en-US"/>
           </a:p>
           <a:p>
             <a:pPr lvl="2"/>
@@ -1570,7 +1949,6 @@
               <a:rPr lang="zh-CN" altLang="en-US"/>
               <a:t>第三级</a:t>
             </a:r>
-            <a:endParaRPr lang="zh-CN" altLang="en-US"/>
           </a:p>
           <a:p>
             <a:pPr lvl="3"/>
@@ -1578,7 +1956,6 @@
               <a:rPr lang="zh-CN" altLang="en-US"/>
               <a:t>第四级</a:t>
             </a:r>
-            <a:endParaRPr lang="zh-CN" altLang="en-US"/>
           </a:p>
           <a:p>
             <a:pPr lvl="4"/>
@@ -1586,7 +1963,6 @@
               <a:rPr lang="zh-CN" altLang="en-US"/>
               <a:t>第五级</a:t>
             </a:r>
-            <a:endParaRPr lang="zh-CN" altLang="en-US"/>
           </a:p>
         </p:txBody>
       </p:sp>
@@ -1607,6 +1983,7 @@
           <a:p>
             <a:fld id="{FC19A4FA-3D9A-4114-B0D5-759CBD56F1AB}" type="datetimeFigureOut">
               <a:rPr lang="zh-CN" altLang="en-US" smtClean="0"/>
+              <a:t>2025/9/19</a:t>
             </a:fld>
             <a:endParaRPr lang="zh-CN" altLang="en-US"/>
           </a:p>
@@ -1648,6 +2025,7 @@
           <a:p>
             <a:fld id="{506F4176-339E-4C4B-80E4-BBE9C4467EFE}" type="slidenum">
               <a:rPr lang="zh-CN" altLang="en-US" smtClean="0"/>
+              <a:t>‹#›</a:t>
             </a:fld>
             <a:endParaRPr lang="zh-CN" altLang="en-US"/>
           </a:p>
@@ -1702,7 +2080,6 @@
               <a:rPr lang="zh-CN" altLang="en-US" dirty="0"/>
               <a:t>单击此处编辑母版标题样式</a:t>
             </a:r>
-            <a:endParaRPr lang="zh-CN" altLang="en-US" dirty="0"/>
           </a:p>
         </p:txBody>
       </p:sp>
@@ -1742,7 +2119,6 @@
               <a:rPr lang="zh-CN" altLang="en-US" dirty="0"/>
               <a:t>单击此处编辑母版文本样式</a:t>
             </a:r>
-            <a:endParaRPr lang="zh-CN" altLang="en-US" dirty="0"/>
           </a:p>
           <a:p>
             <a:pPr lvl="1"/>
@@ -1750,7 +2126,6 @@
               <a:rPr lang="zh-CN" altLang="en-US" dirty="0"/>
               <a:t>第二级</a:t>
             </a:r>
-            <a:endParaRPr lang="zh-CN" altLang="en-US" dirty="0"/>
           </a:p>
           <a:p>
             <a:pPr lvl="2"/>
@@ -1758,7 +2133,6 @@
               <a:rPr lang="zh-CN" altLang="en-US" dirty="0"/>
               <a:t>第三级</a:t>
             </a:r>
-            <a:endParaRPr lang="zh-CN" altLang="en-US" dirty="0"/>
           </a:p>
           <a:p>
             <a:pPr lvl="3"/>
@@ -1766,7 +2140,6 @@
               <a:rPr lang="zh-CN" altLang="en-US" dirty="0"/>
               <a:t>第四级</a:t>
             </a:r>
-            <a:endParaRPr lang="zh-CN" altLang="en-US" dirty="0"/>
           </a:p>
           <a:p>
             <a:pPr lvl="4"/>
@@ -1774,7 +2147,6 @@
               <a:rPr lang="zh-CN" altLang="en-US" dirty="0"/>
               <a:t>第五级</a:t>
             </a:r>
-            <a:endParaRPr lang="zh-CN" altLang="en-US" dirty="0"/>
           </a:p>
         </p:txBody>
       </p:sp>
@@ -1795,6 +2167,7 @@
           <a:p>
             <a:fld id="{FC19A4FA-3D9A-4114-B0D5-759CBD56F1AB}" type="datetimeFigureOut">
               <a:rPr lang="zh-CN" altLang="en-US" smtClean="0"/>
+              <a:t>2025/9/19</a:t>
             </a:fld>
             <a:endParaRPr lang="zh-CN" altLang="en-US"/>
           </a:p>
@@ -1836,6 +2209,7 @@
           <a:p>
             <a:fld id="{506F4176-339E-4C4B-80E4-BBE9C4467EFE}" type="slidenum">
               <a:rPr lang="zh-CN" altLang="en-US" smtClean="0"/>
+              <a:t>‹#›</a:t>
             </a:fld>
             <a:endParaRPr lang="zh-CN" altLang="en-US"/>
           </a:p>
@@ -1918,7 +2292,6 @@
               <a:rPr lang="zh-CN" altLang="en-US"/>
               <a:t>单击此处编辑母版标题样式</a:t>
             </a:r>
-            <a:endParaRPr lang="zh-CN" altLang="en-US"/>
           </a:p>
         </p:txBody>
       </p:sp>
@@ -1947,7 +2320,6 @@
               <a:rPr lang="zh-CN" altLang="en-US"/>
               <a:t>单击此处编辑母版文本样式</a:t>
             </a:r>
-            <a:endParaRPr lang="zh-CN" altLang="en-US"/>
           </a:p>
           <a:p>
             <a:pPr lvl="1"/>
@@ -1955,7 +2327,6 @@
               <a:rPr lang="zh-CN" altLang="en-US"/>
               <a:t>第二级</a:t>
             </a:r>
-            <a:endParaRPr lang="zh-CN" altLang="en-US"/>
           </a:p>
           <a:p>
             <a:pPr lvl="2"/>
@@ -1963,7 +2334,6 @@
               <a:rPr lang="zh-CN" altLang="en-US"/>
               <a:t>第三级</a:t>
             </a:r>
-            <a:endParaRPr lang="zh-CN" altLang="en-US"/>
           </a:p>
           <a:p>
             <a:pPr lvl="3"/>
@@ -1971,7 +2341,6 @@
               <a:rPr lang="zh-CN" altLang="en-US"/>
               <a:t>第四级</a:t>
             </a:r>
-            <a:endParaRPr lang="zh-CN" altLang="en-US"/>
           </a:p>
           <a:p>
             <a:pPr lvl="4"/>
@@ -1979,7 +2348,6 @@
               <a:rPr lang="zh-CN" altLang="en-US"/>
               <a:t>第五级</a:t>
             </a:r>
-            <a:endParaRPr lang="zh-CN" altLang="en-US"/>
           </a:p>
         </p:txBody>
       </p:sp>
@@ -2008,7 +2376,6 @@
               <a:rPr lang="zh-CN" altLang="en-US"/>
               <a:t>单击此处编辑母版文本样式</a:t>
             </a:r>
-            <a:endParaRPr lang="zh-CN" altLang="en-US"/>
           </a:p>
           <a:p>
             <a:pPr lvl="1"/>
@@ -2016,7 +2383,6 @@
               <a:rPr lang="zh-CN" altLang="en-US"/>
               <a:t>第二级</a:t>
             </a:r>
-            <a:endParaRPr lang="zh-CN" altLang="en-US"/>
           </a:p>
           <a:p>
             <a:pPr lvl="2"/>
@@ -2024,7 +2390,6 @@
               <a:rPr lang="zh-CN" altLang="en-US"/>
               <a:t>第三级</a:t>
             </a:r>
-            <a:endParaRPr lang="zh-CN" altLang="en-US"/>
           </a:p>
           <a:p>
             <a:pPr lvl="3"/>
@@ -2032,7 +2397,6 @@
               <a:rPr lang="zh-CN" altLang="en-US"/>
               <a:t>第四级</a:t>
             </a:r>
-            <a:endParaRPr lang="zh-CN" altLang="en-US"/>
           </a:p>
           <a:p>
             <a:pPr lvl="4"/>
@@ -2040,7 +2404,6 @@
               <a:rPr lang="zh-CN" altLang="en-US"/>
               <a:t>第五级</a:t>
             </a:r>
-            <a:endParaRPr lang="zh-CN" altLang="en-US"/>
           </a:p>
         </p:txBody>
       </p:sp>
@@ -2061,6 +2424,7 @@
           <a:p>
             <a:fld id="{FC19A4FA-3D9A-4114-B0D5-759CBD56F1AB}" type="datetimeFigureOut">
               <a:rPr lang="zh-CN" altLang="en-US" smtClean="0"/>
+              <a:t>2025/9/19</a:t>
             </a:fld>
             <a:endParaRPr lang="zh-CN" altLang="en-US"/>
           </a:p>
@@ -2102,6 +2466,7 @@
           <a:p>
             <a:fld id="{506F4176-339E-4C4B-80E4-BBE9C4467EFE}" type="slidenum">
               <a:rPr lang="zh-CN" altLang="en-US" smtClean="0"/>
+              <a:t>‹#›</a:t>
             </a:fld>
             <a:endParaRPr lang="zh-CN" altLang="en-US"/>
           </a:p>
@@ -2184,7 +2549,6 @@
               <a:rPr lang="zh-CN" altLang="en-US"/>
               <a:t>单击此处编辑母版标题样式</a:t>
             </a:r>
-            <a:endParaRPr lang="zh-CN" altLang="en-US"/>
           </a:p>
         </p:txBody>
       </p:sp>
@@ -2250,7 +2614,6 @@
               <a:rPr lang="zh-CN" altLang="en-US"/>
               <a:t>单击此处编辑母版文本样式</a:t>
             </a:r>
-            <a:endParaRPr lang="zh-CN" altLang="en-US"/>
           </a:p>
         </p:txBody>
       </p:sp>
@@ -2279,7 +2642,6 @@
               <a:rPr lang="zh-CN" altLang="en-US"/>
               <a:t>单击此处编辑母版文本样式</a:t>
             </a:r>
-            <a:endParaRPr lang="zh-CN" altLang="en-US"/>
           </a:p>
           <a:p>
             <a:pPr lvl="1"/>
@@ -2287,7 +2649,6 @@
               <a:rPr lang="zh-CN" altLang="en-US"/>
               <a:t>第二级</a:t>
             </a:r>
-            <a:endParaRPr lang="zh-CN" altLang="en-US"/>
           </a:p>
           <a:p>
             <a:pPr lvl="2"/>
@@ -2295,7 +2656,6 @@
               <a:rPr lang="zh-CN" altLang="en-US"/>
               <a:t>第三级</a:t>
             </a:r>
-            <a:endParaRPr lang="zh-CN" altLang="en-US"/>
           </a:p>
           <a:p>
             <a:pPr lvl="3"/>
@@ -2303,7 +2663,6 @@
               <a:rPr lang="zh-CN" altLang="en-US"/>
               <a:t>第四级</a:t>
             </a:r>
-            <a:endParaRPr lang="zh-CN" altLang="en-US"/>
           </a:p>
           <a:p>
             <a:pPr lvl="4"/>
@@ -2311,7 +2670,6 @@
               <a:rPr lang="zh-CN" altLang="en-US"/>
               <a:t>第五级</a:t>
             </a:r>
-            <a:endParaRPr lang="zh-CN" altLang="en-US"/>
           </a:p>
         </p:txBody>
       </p:sp>
@@ -2377,7 +2735,6 @@
               <a:rPr lang="zh-CN" altLang="en-US"/>
               <a:t>单击此处编辑母版文本样式</a:t>
             </a:r>
-            <a:endParaRPr lang="zh-CN" altLang="en-US"/>
           </a:p>
         </p:txBody>
       </p:sp>
@@ -2406,7 +2763,6 @@
               <a:rPr lang="zh-CN" altLang="en-US"/>
               <a:t>单击此处编辑母版文本样式</a:t>
             </a:r>
-            <a:endParaRPr lang="zh-CN" altLang="en-US"/>
           </a:p>
           <a:p>
             <a:pPr lvl="1"/>
@@ -2414,7 +2770,6 @@
               <a:rPr lang="zh-CN" altLang="en-US"/>
               <a:t>第二级</a:t>
             </a:r>
-            <a:endParaRPr lang="zh-CN" altLang="en-US"/>
           </a:p>
           <a:p>
             <a:pPr lvl="2"/>
@@ -2422,7 +2777,6 @@
               <a:rPr lang="zh-CN" altLang="en-US"/>
               <a:t>第三级</a:t>
             </a:r>
-            <a:endParaRPr lang="zh-CN" altLang="en-US"/>
           </a:p>
           <a:p>
             <a:pPr lvl="3"/>
@@ -2430,7 +2784,6 @@
               <a:rPr lang="zh-CN" altLang="en-US"/>
               <a:t>第四级</a:t>
             </a:r>
-            <a:endParaRPr lang="zh-CN" altLang="en-US"/>
           </a:p>
           <a:p>
             <a:pPr lvl="4"/>
@@ -2438,7 +2791,6 @@
               <a:rPr lang="zh-CN" altLang="en-US"/>
               <a:t>第五级</a:t>
             </a:r>
-            <a:endParaRPr lang="zh-CN" altLang="en-US"/>
           </a:p>
         </p:txBody>
       </p:sp>
@@ -2459,6 +2811,7 @@
           <a:p>
             <a:fld id="{FC19A4FA-3D9A-4114-B0D5-759CBD56F1AB}" type="datetimeFigureOut">
               <a:rPr lang="zh-CN" altLang="en-US" smtClean="0"/>
+              <a:t>2025/9/19</a:t>
             </a:fld>
             <a:endParaRPr lang="zh-CN" altLang="en-US"/>
           </a:p>
@@ -2500,6 +2853,7 @@
           <a:p>
             <a:fld id="{506F4176-339E-4C4B-80E4-BBE9C4467EFE}" type="slidenum">
               <a:rPr lang="zh-CN" altLang="en-US" smtClean="0"/>
+              <a:t>‹#›</a:t>
             </a:fld>
             <a:endParaRPr lang="zh-CN" altLang="en-US"/>
           </a:p>
@@ -2586,7 +2940,6 @@
               <a:rPr lang="zh-CN" altLang="en-US"/>
               <a:t>单击此处编辑母版标题样式</a:t>
             </a:r>
-            <a:endParaRPr lang="zh-CN" altLang="en-US"/>
           </a:p>
         </p:txBody>
       </p:sp>
@@ -2706,7 +3059,6 @@
               <a:rPr lang="zh-CN" altLang="en-US"/>
               <a:t>单击此处编辑母版文本样式</a:t>
             </a:r>
-            <a:endParaRPr lang="zh-CN" altLang="en-US"/>
           </a:p>
         </p:txBody>
       </p:sp>
@@ -2727,6 +3079,7 @@
           <a:p>
             <a:fld id="{FC19A4FA-3D9A-4114-B0D5-759CBD56F1AB}" type="datetimeFigureOut">
               <a:rPr lang="zh-CN" altLang="en-US" smtClean="0"/>
+              <a:t>2025/9/19</a:t>
             </a:fld>
             <a:endParaRPr lang="zh-CN" altLang="en-US"/>
           </a:p>
@@ -2768,6 +3121,7 @@
           <a:p>
             <a:fld id="{506F4176-339E-4C4B-80E4-BBE9C4467EFE}" type="slidenum">
               <a:rPr lang="zh-CN" altLang="en-US" smtClean="0"/>
+              <a:t>‹#›</a:t>
             </a:fld>
             <a:endParaRPr lang="zh-CN" altLang="en-US"/>
           </a:p>
@@ -2845,7 +3199,6 @@
               <a:rPr lang="zh-CN" altLang="en-US"/>
               <a:t>单击此处编辑母版标题样式</a:t>
             </a:r>
-            <a:endParaRPr lang="zh-CN" altLang="en-US"/>
           </a:p>
         </p:txBody>
       </p:sp>
@@ -2866,6 +3219,7 @@
           <a:p>
             <a:fld id="{FC19A4FA-3D9A-4114-B0D5-759CBD56F1AB}" type="datetimeFigureOut">
               <a:rPr lang="zh-CN" altLang="en-US" smtClean="0"/>
+              <a:t>2025/9/19</a:t>
             </a:fld>
             <a:endParaRPr lang="zh-CN" altLang="en-US"/>
           </a:p>
@@ -2907,6 +3261,7 @@
           <a:p>
             <a:fld id="{506F4176-339E-4C4B-80E4-BBE9C4467EFE}" type="slidenum">
               <a:rPr lang="zh-CN" altLang="en-US" smtClean="0"/>
+              <a:t>‹#›</a:t>
             </a:fld>
             <a:endParaRPr lang="zh-CN" altLang="en-US"/>
           </a:p>
@@ -2954,6 +3309,7 @@
           <a:p>
             <a:fld id="{FC19A4FA-3D9A-4114-B0D5-759CBD56F1AB}" type="datetimeFigureOut">
               <a:rPr lang="zh-CN" altLang="en-US" smtClean="0"/>
+              <a:t>2025/9/19</a:t>
             </a:fld>
             <a:endParaRPr lang="zh-CN" altLang="en-US"/>
           </a:p>
@@ -2995,6 +3351,7 @@
           <a:p>
             <a:fld id="{506F4176-339E-4C4B-80E4-BBE9C4467EFE}" type="slidenum">
               <a:rPr lang="zh-CN" altLang="en-US" smtClean="0"/>
+              <a:t>‹#›</a:t>
             </a:fld>
             <a:endParaRPr lang="zh-CN" altLang="en-US"/>
           </a:p>
@@ -3053,7 +3410,6 @@
               <a:rPr lang="zh-CN" altLang="en-US"/>
               <a:t>单击此处编辑母版标题样式</a:t>
             </a:r>
-            <a:endParaRPr lang="zh-CN" altLang="en-US"/>
           </a:p>
         </p:txBody>
       </p:sp>
@@ -3110,7 +3466,6 @@
               <a:rPr lang="zh-CN" altLang="en-US"/>
               <a:t>单击此处编辑母版文本样式</a:t>
             </a:r>
-            <a:endParaRPr lang="zh-CN" altLang="en-US"/>
           </a:p>
           <a:p>
             <a:pPr lvl="1"/>
@@ -3118,7 +3473,6 @@
               <a:rPr lang="zh-CN" altLang="en-US"/>
               <a:t>第二级</a:t>
             </a:r>
-            <a:endParaRPr lang="zh-CN" altLang="en-US"/>
           </a:p>
           <a:p>
             <a:pPr lvl="2"/>
@@ -3126,7 +3480,6 @@
               <a:rPr lang="zh-CN" altLang="en-US"/>
               <a:t>第三级</a:t>
             </a:r>
-            <a:endParaRPr lang="zh-CN" altLang="en-US"/>
           </a:p>
           <a:p>
             <a:pPr lvl="3"/>
@@ -3134,7 +3487,6 @@
               <a:rPr lang="zh-CN" altLang="en-US"/>
               <a:t>第四级</a:t>
             </a:r>
-            <a:endParaRPr lang="zh-CN" altLang="en-US"/>
           </a:p>
           <a:p>
             <a:pPr lvl="4"/>
@@ -3142,7 +3494,6 @@
               <a:rPr lang="zh-CN" altLang="en-US"/>
               <a:t>第五级</a:t>
             </a:r>
-            <a:endParaRPr lang="zh-CN" altLang="en-US"/>
           </a:p>
         </p:txBody>
       </p:sp>
@@ -3208,7 +3559,6 @@
               <a:rPr lang="zh-CN" altLang="en-US"/>
               <a:t>单击此处编辑母版文本样式</a:t>
             </a:r>
-            <a:endParaRPr lang="zh-CN" altLang="en-US"/>
           </a:p>
         </p:txBody>
       </p:sp>
@@ -3229,6 +3579,7 @@
           <a:p>
             <a:fld id="{FC19A4FA-3D9A-4114-B0D5-759CBD56F1AB}" type="datetimeFigureOut">
               <a:rPr lang="zh-CN" altLang="en-US" smtClean="0"/>
+              <a:t>2025/9/19</a:t>
             </a:fld>
             <a:endParaRPr lang="zh-CN" altLang="en-US"/>
           </a:p>
@@ -3270,6 +3621,7 @@
           <a:p>
             <a:fld id="{506F4176-339E-4C4B-80E4-BBE9C4467EFE}" type="slidenum">
               <a:rPr lang="zh-CN" altLang="en-US" smtClean="0"/>
+              <a:t>‹#›</a:t>
             </a:fld>
             <a:endParaRPr lang="zh-CN" altLang="en-US"/>
           </a:p>
@@ -3328,7 +3680,6 @@
               <a:rPr lang="zh-CN" altLang="en-US"/>
               <a:t>单击此处编辑母版标题样式</a:t>
             </a:r>
-            <a:endParaRPr lang="zh-CN" altLang="en-US"/>
           </a:p>
         </p:txBody>
       </p:sp>
@@ -3455,7 +3806,6 @@
               <a:rPr lang="zh-CN" altLang="en-US"/>
               <a:t>单击此处编辑母版文本样式</a:t>
             </a:r>
-            <a:endParaRPr lang="zh-CN" altLang="en-US"/>
           </a:p>
         </p:txBody>
       </p:sp>
@@ -3476,6 +3826,7 @@
           <a:p>
             <a:fld id="{FC19A4FA-3D9A-4114-B0D5-759CBD56F1AB}" type="datetimeFigureOut">
               <a:rPr lang="zh-CN" altLang="en-US" smtClean="0"/>
+              <a:t>2025/9/19</a:t>
             </a:fld>
             <a:endParaRPr lang="zh-CN" altLang="en-US"/>
           </a:p>
@@ -3517,6 +3868,7 @@
           <a:p>
             <a:fld id="{506F4176-339E-4C4B-80E4-BBE9C4467EFE}" type="slidenum">
               <a:rPr lang="zh-CN" altLang="en-US" smtClean="0"/>
+              <a:t>‹#›</a:t>
             </a:fld>
             <a:endParaRPr lang="zh-CN" altLang="en-US"/>
           </a:p>
@@ -3581,7 +3933,6 @@
               <a:rPr lang="zh-CN" altLang="en-US" dirty="0"/>
               <a:t>单击此处编辑母版标题样式</a:t>
             </a:r>
-            <a:endParaRPr lang="zh-CN" altLang="en-US" dirty="0"/>
           </a:p>
         </p:txBody>
       </p:sp>
@@ -3615,7 +3966,6 @@
               <a:rPr lang="zh-CN" altLang="en-US" dirty="0"/>
               <a:t>单击此处编辑母版文本样式</a:t>
             </a:r>
-            <a:endParaRPr lang="zh-CN" altLang="en-US" dirty="0"/>
           </a:p>
           <a:p>
             <a:pPr lvl="1"/>
@@ -3623,7 +3973,6 @@
               <a:rPr lang="zh-CN" altLang="en-US" dirty="0"/>
               <a:t>第二级</a:t>
             </a:r>
-            <a:endParaRPr lang="zh-CN" altLang="en-US" dirty="0"/>
           </a:p>
           <a:p>
             <a:pPr lvl="2"/>
@@ -3631,7 +3980,6 @@
               <a:rPr lang="zh-CN" altLang="en-US" dirty="0"/>
               <a:t>第三级</a:t>
             </a:r>
-            <a:endParaRPr lang="zh-CN" altLang="en-US" dirty="0"/>
           </a:p>
           <a:p>
             <a:pPr lvl="3"/>
@@ -3639,7 +3987,6 @@
               <a:rPr lang="zh-CN" altLang="en-US" dirty="0"/>
               <a:t>第四级</a:t>
             </a:r>
-            <a:endParaRPr lang="zh-CN" altLang="en-US" dirty="0"/>
           </a:p>
           <a:p>
             <a:pPr lvl="4"/>
@@ -3647,7 +3994,6 @@
               <a:rPr lang="zh-CN" altLang="en-US" dirty="0"/>
               <a:t>第五级</a:t>
             </a:r>
-            <a:endParaRPr lang="zh-CN" altLang="en-US" dirty="0"/>
           </a:p>
         </p:txBody>
       </p:sp>
@@ -3686,6 +4032,7 @@
           <a:p>
             <a:fld id="{FC19A4FA-3D9A-4114-B0D5-759CBD56F1AB}" type="datetimeFigureOut">
               <a:rPr lang="zh-CN" altLang="en-US" smtClean="0"/>
+              <a:t>2025/9/19</a:t>
             </a:fld>
             <a:endParaRPr lang="zh-CN" altLang="en-US"/>
           </a:p>
@@ -3763,6 +4110,7 @@
           <a:p>
             <a:fld id="{506F4176-339E-4C4B-80E4-BBE9C4467EFE}" type="slidenum">
               <a:rPr lang="zh-CN" altLang="en-US" smtClean="0"/>
+              <a:t>‹#›</a:t>
             </a:fld>
             <a:endParaRPr lang="zh-CN" altLang="en-US"/>
           </a:p>
@@ -3777,7 +4125,7 @@
           <p:nvPr userDrawn="1"/>
         </p:nvPicPr>
         <p:blipFill>
-          <a:blip r:embed="rId12" cstate="print">
+          <a:blip r:embed="rId13" cstate="print">
             <a:extLst>
               <a:ext uri="{28A0092B-C50C-407E-A947-70E740481C1C}">
                 <a14:useLocalDpi xmlns:a14="http://schemas.microsoft.com/office/drawing/2010/main" val="0"/>
@@ -4153,9 +4501,6 @@
               </a:rPr>
               <a:t>Advanced Programming</a:t>
             </a:r>
-            <a:endParaRPr lang="en-US" altLang="zh-CN" b="1" dirty="0">
-              <a:latin typeface="Franklin Gothic Demi" panose="020B0703020102020204" pitchFamily="34" charset="0"/>
-            </a:endParaRPr>
           </a:p>
         </p:txBody>
       </p:sp>
@@ -4320,18 +4665,6 @@
               </a:rPr>
               <a:t>1.1 Install WSL on Windows 10(cont.)</a:t>
             </a:r>
-            <a:endParaRPr lang="en-US" sz="3600" b="1" dirty="0">
-              <a:solidFill>
-                <a:srgbClr val="464646"/>
-              </a:solidFill>
-              <a:effectLst>
-                <a:outerShdw blurRad="31750" dist="25400" dir="5400000" algn="tl" rotWithShape="0">
-                  <a:srgbClr val="000000">
-                    <a:alpha val="25000"/>
-                  </a:srgbClr>
-                </a:outerShdw>
-              </a:effectLst>
-            </a:endParaRPr>
           </a:p>
         </p:txBody>
       </p:sp>
@@ -4378,7 +4711,6 @@
               <a:rPr lang="en-US" altLang="zh-CN" dirty="0"/>
               <a:t>pdate WSL kernel </a:t>
             </a:r>
-            <a:endParaRPr lang="en-US" altLang="zh-CN" dirty="0"/>
           </a:p>
           <a:p>
             <a:pPr algn="l"/>
@@ -4386,7 +4718,6 @@
               <a:rPr lang="en-US" altLang="zh-CN" dirty="0"/>
               <a:t>Download the latest package and run the update package</a:t>
             </a:r>
-            <a:endParaRPr lang="en-US" altLang="zh-CN" dirty="0"/>
           </a:p>
           <a:p>
             <a:pPr marL="0" indent="0" algn="l">
@@ -4394,7 +4725,7 @@
             </a:pPr>
             <a:r>
               <a:rPr lang="en-US" altLang="zh-CN" dirty="0">
-                <a:hlinkClick r:id="rId1"/>
+                <a:hlinkClick r:id="rId2"/>
               </a:rPr>
               <a:t>https://wslstorestorage.blob.core.windows.net/wslblob/wsl_update_x64.msi</a:t>
             </a:r>
@@ -4416,7 +4747,6 @@
               <a:rPr lang="en-US" altLang="zh-CN" dirty="0"/>
               <a:t> instead.</a:t>
             </a:r>
-            <a:endParaRPr lang="en-US" altLang="zh-CN" dirty="0"/>
           </a:p>
           <a:p>
             <a:pPr marL="0" indent="0">
@@ -4424,7 +4754,7 @@
             </a:pPr>
             <a:r>
               <a:rPr lang="en-US" altLang="zh-CN" dirty="0">
-                <a:hlinkClick r:id="rId2"/>
+                <a:hlinkClick r:id="rId3"/>
               </a:rPr>
               <a:t>https://wslstorestorage.blob.core.windows.net/wslblob/wsl_update_arm64.msi</a:t>
             </a:r>
@@ -4479,7 +4809,7 @@
           <p:nvPr/>
         </p:nvPicPr>
         <p:blipFill>
-          <a:blip r:embed="rId3"/>
+          <a:blip r:embed="rId4"/>
           <a:stretch>
             <a:fillRect/>
           </a:stretch>
@@ -4503,7 +4833,7 @@
           <p:nvPr/>
         </p:nvPicPr>
         <p:blipFill>
-          <a:blip r:embed="rId4"/>
+          <a:blip r:embed="rId5"/>
           <a:stretch>
             <a:fillRect/>
           </a:stretch>
@@ -4527,7 +4857,7 @@
           <p:nvPr/>
         </p:nvPicPr>
         <p:blipFill>
-          <a:blip r:embed="rId5"/>
+          <a:blip r:embed="rId6"/>
           <a:stretch>
             <a:fillRect/>
           </a:stretch>
@@ -5019,7 +5349,7 @@
           <p:nvPr/>
         </p:nvPicPr>
         <p:blipFill>
-          <a:blip r:embed="rId1"/>
+          <a:blip r:embed="rId2"/>
           <a:stretch>
             <a:fillRect/>
           </a:stretch>
@@ -5071,18 +5401,6 @@
               </a:rPr>
               <a:t>1.1 Install WSL on Windows 10(cont.)</a:t>
             </a:r>
-            <a:endParaRPr lang="en-US" sz="3600" b="1" dirty="0">
-              <a:solidFill>
-                <a:srgbClr val="464646"/>
-              </a:solidFill>
-              <a:effectLst>
-                <a:outerShdw blurRad="31750" dist="25400" dir="5400000" algn="tl" rotWithShape="0">
-                  <a:srgbClr val="000000">
-                    <a:alpha val="25000"/>
-                  </a:srgbClr>
-                </a:outerShdw>
-              </a:effectLst>
-            </a:endParaRPr>
           </a:p>
         </p:txBody>
       </p:sp>
@@ -5129,7 +5447,6 @@
               <a:rPr lang="en-US" altLang="zh-CN" dirty="0"/>
               <a:t>Set WSL version as 2</a:t>
             </a:r>
-            <a:endParaRPr lang="en-US" altLang="zh-CN" dirty="0"/>
           </a:p>
           <a:p>
             <a:pPr algn="l"/>
@@ -5658,18 +5975,6 @@
               </a:rPr>
               <a:t>1.2 Install GCC on WSL</a:t>
             </a:r>
-            <a:endParaRPr lang="en-US" sz="4000" b="1" dirty="0">
-              <a:solidFill>
-                <a:srgbClr val="464646"/>
-              </a:solidFill>
-              <a:effectLst>
-                <a:outerShdw blurRad="31750" dist="25400" dir="5400000" algn="tl" rotWithShape="0">
-                  <a:srgbClr val="000000">
-                    <a:alpha val="25000"/>
-                  </a:srgbClr>
-                </a:outerShdw>
-              </a:effectLst>
-            </a:endParaRPr>
           </a:p>
         </p:txBody>
       </p:sp>
@@ -5699,14 +6004,12 @@
               <a:rPr lang="en-US" altLang="zh-CN" sz="2400" dirty="0"/>
               <a:t>Once you finished the installation of Ubuntu 20.04 LTS, you can find it on your start menu.</a:t>
             </a:r>
-            <a:endParaRPr lang="en-US" altLang="zh-CN" sz="2400" dirty="0"/>
           </a:p>
           <a:p>
             <a:r>
               <a:rPr lang="en-US" altLang="zh-CN" sz="2400" dirty="0"/>
               <a:t>Open it and you will see a Terminal for Linux</a:t>
             </a:r>
-            <a:endParaRPr lang="en-US" altLang="zh-CN" sz="2400" dirty="0"/>
           </a:p>
           <a:p>
             <a:r>
@@ -5743,7 +6046,7 @@
           <p:nvPr/>
         </p:nvPicPr>
         <p:blipFill>
-          <a:blip r:embed="rId1"/>
+          <a:blip r:embed="rId2"/>
           <a:stretch>
             <a:fillRect/>
           </a:stretch>
@@ -6000,7 +6303,6 @@
               <a:rPr lang="en-US" altLang="zh-CN" sz="2500" dirty="0"/>
               <a:t> you can use below to install, too)</a:t>
             </a:r>
-            <a:endParaRPr lang="en-US" altLang="zh-CN" sz="2500" dirty="0"/>
           </a:p>
           <a:p>
             <a:pPr lvl="1"/>
@@ -6373,7 +6675,7 @@
           <p:nvPr/>
         </p:nvPicPr>
         <p:blipFill>
-          <a:blip r:embed="rId1">
+          <a:blip r:embed="rId2">
             <a:extLst>
               <a:ext uri="{28A0092B-C50C-407E-A947-70E740481C1C}">
                 <a14:useLocalDpi xmlns:a14="http://schemas.microsoft.com/office/drawing/2010/main" val="0"/>
@@ -6624,7 +6926,7 @@
           <p:nvPr/>
         </p:nvPicPr>
         <p:blipFill>
-          <a:blip r:embed="rId1">
+          <a:blip r:embed="rId2">
             <a:extLst>
               <a:ext uri="{28A0092B-C50C-407E-A947-70E740481C1C}">
                 <a14:useLocalDpi xmlns:a14="http://schemas.microsoft.com/office/drawing/2010/main" val="0"/>
@@ -6875,7 +7177,7 @@
           <p:nvPr/>
         </p:nvPicPr>
         <p:blipFill>
-          <a:blip r:embed="rId1"/>
+          <a:blip r:embed="rId2"/>
           <a:stretch>
             <a:fillRect/>
           </a:stretch>
@@ -6927,18 +7229,6 @@
               </a:rPr>
               <a:t>1.3 Verify GCC on WSL</a:t>
             </a:r>
-            <a:endParaRPr lang="en-US" sz="4000" b="1" dirty="0">
-              <a:solidFill>
-                <a:srgbClr val="464646"/>
-              </a:solidFill>
-              <a:effectLst>
-                <a:outerShdw blurRad="31750" dist="25400" dir="5400000" algn="tl" rotWithShape="0">
-                  <a:srgbClr val="000000">
-                    <a:alpha val="25000"/>
-                  </a:srgbClr>
-                </a:outerShdw>
-              </a:effectLst>
-            </a:endParaRPr>
           </a:p>
         </p:txBody>
       </p:sp>
@@ -7006,7 +7296,6 @@
               <a:rPr lang="en-US" altLang="zh-CN" sz="2400" dirty="0"/>
               <a:t> to check whether the GCC is installed well</a:t>
             </a:r>
-            <a:endParaRPr lang="en-US" altLang="zh-CN" sz="2400" dirty="0"/>
           </a:p>
         </p:txBody>
       </p:sp>
@@ -7363,18 +7652,6 @@
               </a:rPr>
               <a:t> Command Line Tool) on macOS</a:t>
             </a:r>
-            <a:endParaRPr lang="en-US" sz="3200" b="1" dirty="0">
-              <a:solidFill>
-                <a:srgbClr val="464646"/>
-              </a:solidFill>
-              <a:effectLst>
-                <a:outerShdw blurRad="31750" dist="25400" dir="5400000" algn="tl" rotWithShape="0">
-                  <a:srgbClr val="000000">
-                    <a:alpha val="25000"/>
-                  </a:srgbClr>
-                </a:outerShdw>
-              </a:effectLst>
-            </a:endParaRPr>
           </a:p>
         </p:txBody>
       </p:sp>
@@ -7413,6 +7690,76 @@
               </a:rPr>
               <a:t>Open the Terminal on your Mac</a:t>
             </a:r>
+          </a:p>
+          <a:p>
+            <a:pPr>
+              <a:lnSpc>
+                <a:spcPct val="120000"/>
+              </a:lnSpc>
+            </a:pPr>
+            <a:r>
+              <a:rPr lang="en-US" altLang="zh-CN" dirty="0">
+                <a:solidFill>
+                  <a:schemeClr val="tx1"/>
+                </a:solidFill>
+              </a:rPr>
+              <a:t>Input </a:t>
+            </a:r>
+            <a:r>
+              <a:rPr lang="en-US" altLang="zh-CN" dirty="0">
+                <a:solidFill>
+                  <a:srgbClr val="00B0F0"/>
+                </a:solidFill>
+              </a:rPr>
+              <a:t>g++ </a:t>
+            </a:r>
+            <a:r>
+              <a:rPr lang="en-US" altLang="zh-CN" dirty="0">
+                <a:solidFill>
+                  <a:schemeClr val="tx1"/>
+                </a:solidFill>
+              </a:rPr>
+              <a:t>to check whether the CLT or GCC is installed</a:t>
+            </a:r>
+          </a:p>
+          <a:p>
+            <a:pPr>
+              <a:lnSpc>
+                <a:spcPct val="120000"/>
+              </a:lnSpc>
+            </a:pPr>
+            <a:r>
+              <a:rPr lang="en-US" altLang="zh-CN" dirty="0">
+                <a:solidFill>
+                  <a:schemeClr val="tx1"/>
+                </a:solidFill>
+              </a:rPr>
+              <a:t>If not, the system will guide you to install CLT</a:t>
+            </a:r>
+          </a:p>
+          <a:p>
+            <a:pPr>
+              <a:lnSpc>
+                <a:spcPct val="120000"/>
+              </a:lnSpc>
+            </a:pPr>
+            <a:r>
+              <a:rPr lang="en-US" altLang="zh-CN" dirty="0">
+                <a:solidFill>
+                  <a:schemeClr val="tx1"/>
+                </a:solidFill>
+              </a:rPr>
+              <a:t>You can also install CLT by package provided by Apple: </a:t>
+            </a:r>
+            <a:r>
+              <a:rPr lang="en-US" altLang="zh-CN" dirty="0">
+                <a:solidFill>
+                  <a:schemeClr val="tx1"/>
+                </a:solidFill>
+                <a:hlinkClick r:id="rId2"/>
+              </a:rPr>
+              <a:t>https://developer.apple.com/download/more/</a:t>
+            </a:r>
             <a:endParaRPr lang="en-US" altLang="zh-CN" dirty="0">
               <a:solidFill>
                 <a:schemeClr val="tx1"/>
@@ -7426,97 +7773,12 @@
               </a:lnSpc>
             </a:pPr>
             <a:r>
-              <a:rPr lang="en-US" altLang="zh-CN" dirty="0">
-                <a:solidFill>
-                  <a:schemeClr val="tx1"/>
-                </a:solidFill>
-              </a:rPr>
-              <a:t>Input </a:t>
-            </a:r>
-            <a:r>
-              <a:rPr lang="en-US" altLang="zh-CN" dirty="0">
-                <a:solidFill>
-                  <a:srgbClr val="00B0F0"/>
-                </a:solidFill>
-              </a:rPr>
-              <a:t>g++ </a:t>
-            </a:r>
-            <a:r>
-              <a:rPr lang="en-US" altLang="zh-CN" dirty="0">
-                <a:solidFill>
-                  <a:schemeClr val="tx1"/>
-                </a:solidFill>
-              </a:rPr>
-              <a:t>to check whether the CLT or GCC is installed</a:t>
-            </a:r>
-            <a:endParaRPr lang="en-US" altLang="zh-CN" dirty="0">
-              <a:solidFill>
-                <a:schemeClr val="tx1"/>
-              </a:solidFill>
-            </a:endParaRPr>
-          </a:p>
-          <a:p>
-            <a:pPr>
-              <a:lnSpc>
-                <a:spcPct val="120000"/>
-              </a:lnSpc>
-            </a:pPr>
-            <a:r>
-              <a:rPr lang="en-US" altLang="zh-CN" dirty="0">
-                <a:solidFill>
-                  <a:schemeClr val="tx1"/>
-                </a:solidFill>
-              </a:rPr>
-              <a:t>If not, the system will guide you to install CLT</a:t>
-            </a:r>
-            <a:endParaRPr lang="en-US" altLang="zh-CN" dirty="0">
-              <a:solidFill>
-                <a:schemeClr val="tx1"/>
-              </a:solidFill>
-            </a:endParaRPr>
-          </a:p>
-          <a:p>
-            <a:pPr>
-              <a:lnSpc>
-                <a:spcPct val="120000"/>
-              </a:lnSpc>
-            </a:pPr>
-            <a:r>
-              <a:rPr lang="en-US" altLang="zh-CN" dirty="0">
-                <a:solidFill>
-                  <a:schemeClr val="tx1"/>
-                </a:solidFill>
-              </a:rPr>
-              <a:t>You can also install CLT by package provided by Apple: </a:t>
-            </a:r>
-            <a:r>
-              <a:rPr lang="en-US" altLang="zh-CN" dirty="0">
-                <a:solidFill>
-                  <a:schemeClr val="tx1"/>
-                </a:solidFill>
-                <a:hlinkClick r:id="rId1"/>
-              </a:rPr>
-              <a:t>https://developer.apple.com/download/more/</a:t>
-            </a:r>
-            <a:endParaRPr lang="en-US" altLang="zh-CN" dirty="0">
-              <a:solidFill>
-                <a:schemeClr val="tx1"/>
-              </a:solidFill>
-            </a:endParaRPr>
-          </a:p>
-          <a:p>
-            <a:pPr>
-              <a:lnSpc>
-                <a:spcPct val="120000"/>
-              </a:lnSpc>
-            </a:pPr>
-            <a:r>
               <a:rPr lang="en-US" altLang="zh-CN" dirty="0"/>
               <a:t>For more info regarding the CLT installation you can refer to </a:t>
             </a:r>
             <a:r>
               <a:rPr lang="en-US" altLang="zh-CN" dirty="0">
-                <a:hlinkClick r:id="rId2"/>
+                <a:hlinkClick r:id="rId3"/>
               </a:rPr>
               <a:t>https://www.easeus.com/computer-instruction/install-xcode-command-line-tools-on-mac.html</a:t>
             </a:r>
@@ -7588,18 +7850,6 @@
               </a:rPr>
               <a:t>2 Download and install LLVM on macOS</a:t>
             </a:r>
-            <a:endParaRPr lang="en-US" sz="3600" b="1" dirty="0">
-              <a:solidFill>
-                <a:srgbClr val="464646"/>
-              </a:solidFill>
-              <a:effectLst>
-                <a:outerShdw blurRad="31750" dist="25400" dir="5400000" algn="tl" rotWithShape="0">
-                  <a:srgbClr val="000000">
-                    <a:alpha val="25000"/>
-                  </a:srgbClr>
-                </a:outerShdw>
-              </a:effectLst>
-            </a:endParaRPr>
           </a:p>
         </p:txBody>
       </p:sp>
@@ -7660,18 +7910,6 @@
               </a:rPr>
               <a:t>2.2 Verify LLVM on macOS</a:t>
             </a:r>
-            <a:endParaRPr lang="en-US" sz="4000" b="1" dirty="0">
-              <a:solidFill>
-                <a:srgbClr val="464646"/>
-              </a:solidFill>
-              <a:effectLst>
-                <a:outerShdw blurRad="31750" dist="25400" dir="5400000" algn="tl" rotWithShape="0">
-                  <a:srgbClr val="000000">
-                    <a:alpha val="25000"/>
-                  </a:srgbClr>
-                </a:outerShdw>
-              </a:effectLst>
-            </a:endParaRPr>
           </a:p>
         </p:txBody>
       </p:sp>
@@ -7713,11 +7951,6 @@
               </a:rPr>
               <a:t>g++ --version</a:t>
             </a:r>
-            <a:endParaRPr lang="en-US" altLang="zh-CN" dirty="0">
-              <a:solidFill>
-                <a:srgbClr val="00B0F0"/>
-              </a:solidFill>
-            </a:endParaRPr>
           </a:p>
         </p:txBody>
       </p:sp>
@@ -7730,7 +7963,7 @@
           <p:nvPr/>
         </p:nvPicPr>
         <p:blipFill>
-          <a:blip r:embed="rId1"/>
+          <a:blip r:embed="rId2"/>
           <a:stretch>
             <a:fillRect/>
           </a:stretch>
@@ -7806,7 +8039,7 @@
             </a:r>
             <a:r>
               <a:rPr lang="en-US" altLang="zh-CN" sz="2000" dirty="0">
-                <a:hlinkClick r:id="rId1" action="ppaction://hlinkfile"/>
+                <a:hlinkClick r:id="rId3" action="ppaction://hlinkfile"/>
               </a:rPr>
               <a:t>https://code.visualstudio.com/</a:t>
             </a:r>
@@ -7814,7 +8047,6 @@
               <a:rPr lang="en-US" altLang="zh-CN" sz="2000" dirty="0"/>
               <a:t> to download the package for your platform (Linux, Windows or macOS).</a:t>
             </a:r>
-            <a:endParaRPr lang="en-US" altLang="zh-CN" sz="2000" dirty="0"/>
           </a:p>
           <a:p>
             <a:endParaRPr lang="en-US" altLang="zh-CN" sz="2000" dirty="0"/>
@@ -7832,21 +8064,18 @@
               <a:rPr lang="en-US" altLang="zh-CN" sz="2000" dirty="0"/>
               <a:t>, you need to install two plugins at least to support your development:</a:t>
             </a:r>
-            <a:endParaRPr lang="en-US" altLang="zh-CN" sz="2000" dirty="0"/>
           </a:p>
           <a:p>
             <a:r>
               <a:rPr lang="en-US" altLang="zh-CN" sz="2000" dirty="0"/>
               <a:t>	1. C/C++ plugin</a:t>
             </a:r>
-            <a:endParaRPr lang="en-US" altLang="zh-CN" sz="2000" dirty="0"/>
           </a:p>
           <a:p>
             <a:r>
               <a:rPr lang="en-US" altLang="zh-CN" sz="2000" dirty="0"/>
               <a:t>	2. WSL plugin</a:t>
             </a:r>
-            <a:endParaRPr lang="en-US" altLang="zh-CN" sz="2000" dirty="0"/>
           </a:p>
           <a:p>
             <a:r>
@@ -7889,7 +8118,6 @@
               <a:rPr lang="en-US" altLang="zh-CN" sz="2000" dirty="0"/>
               <a:t> key words respectively to find the two plugins.</a:t>
             </a:r>
-            <a:endParaRPr lang="en-US" altLang="zh-CN" sz="2000" dirty="0"/>
           </a:p>
         </p:txBody>
       </p:sp>
@@ -7916,7 +8144,7 @@
             <p:nvPr/>
           </p:nvPicPr>
           <p:blipFill>
-            <a:blip r:embed="rId2"/>
+            <a:blip r:embed="rId4"/>
             <a:stretch>
               <a:fillRect/>
             </a:stretch>
@@ -8095,7 +8323,7 @@
             <p:nvPr/>
           </p:nvPicPr>
           <p:blipFill>
-            <a:blip r:embed="rId3"/>
+            <a:blip r:embed="rId5"/>
             <a:stretch>
               <a:fillRect/>
             </a:stretch>
@@ -8281,11 +8509,6 @@
               </a:rPr>
               <a:t>3.Download and install editor </a:t>
             </a:r>
-            <a:endParaRPr lang="en-US" sz="4000" b="1" dirty="0">
-              <a:solidFill>
-                <a:srgbClr val="464646"/>
-              </a:solidFill>
-            </a:endParaRPr>
           </a:p>
         </p:txBody>
       </p:sp>
@@ -8312,7 +8535,7 @@
             <p:nvPr/>
           </p:nvPicPr>
           <p:blipFill>
-            <a:blip r:embed="rId4"/>
+            <a:blip r:embed="rId6"/>
             <a:stretch>
               <a:fillRect/>
             </a:stretch>
@@ -8715,7 +8938,7 @@
           <p:nvPr/>
         </p:nvPicPr>
         <p:blipFill>
-          <a:blip r:embed="rId1">
+          <a:blip r:embed="rId2">
             <a:extLst>
               <a:ext uri="{28A0092B-C50C-407E-A947-70E740481C1C}">
                 <a14:useLocalDpi xmlns:a14="http://schemas.microsoft.com/office/drawing/2010/main" val="0"/>
@@ -8766,11 +8989,6 @@
               </a:rPr>
               <a:t>3.Download and install editor (Cont.)</a:t>
             </a:r>
-            <a:endParaRPr lang="en-US" sz="4000" b="1" dirty="0">
-              <a:solidFill>
-                <a:srgbClr val="464646"/>
-              </a:solidFill>
-            </a:endParaRPr>
           </a:p>
         </p:txBody>
       </p:sp>
@@ -8811,7 +9029,6 @@
               <a:rPr lang="en-US" altLang="zh-CN" sz="2400" dirty="0"/>
               <a:t> to WSL system.</a:t>
             </a:r>
-            <a:endParaRPr lang="en-US" altLang="zh-CN" sz="2400" dirty="0"/>
           </a:p>
           <a:p>
             <a:pPr marL="0" indent="0">
@@ -8819,7 +9036,7 @@
             </a:pPr>
             <a:r>
               <a:rPr lang="en-US" altLang="zh-CN" sz="2400" dirty="0"/>
-              <a:t>Click the bule button on left of the bottom, and choose </a:t>
+              <a:t>Click the blue button on left of the bottom, and choose </a:t>
             </a:r>
             <a:r>
               <a:rPr lang="en-US" altLang="zh-CN" sz="2400" b="1" dirty="0"/>
@@ -9203,13 +9420,8 @@
           <a:p>
             <a:r>
               <a:rPr lang="en-US" altLang="zh-CN" dirty="0"/>
-              <a:t>T</a:t>
-            </a:r>
-            <a:r>
-              <a:rPr lang="en-US" altLang="zh-CN" dirty="0"/>
-              <a:t>opics</a:t>
-            </a:r>
-            <a:endParaRPr lang="en-US" altLang="zh-CN" dirty="0"/>
+              <a:t>Topics</a:t>
+            </a:r>
           </a:p>
         </p:txBody>
       </p:sp>
@@ -9320,9 +9532,6 @@
               </a:rPr>
               <a:t>5. Set output format</a:t>
             </a:r>
-            <a:endParaRPr lang="en-US" altLang="zh-CN" dirty="0">
-              <a:sym typeface="+mn-ea"/>
-            </a:endParaRPr>
           </a:p>
           <a:p>
             <a:pPr marL="285750" indent="-285750">
@@ -9569,7 +9778,6 @@
               <a:rPr lang="en-US" altLang="zh-CN" sz="2000" dirty="0"/>
               <a:t> Folder…” menu item.</a:t>
             </a:r>
-            <a:endParaRPr lang="en-US" altLang="zh-CN" sz="2000" dirty="0"/>
           </a:p>
         </p:txBody>
       </p:sp>
@@ -9596,7 +9804,7 @@
             <p:nvPr/>
           </p:nvPicPr>
           <p:blipFill>
-            <a:blip r:embed="rId1">
+            <a:blip r:embed="rId2">
               <a:extLst>
                 <a:ext uri="{28A0092B-C50C-407E-A947-70E740481C1C}">
                   <a14:useLocalDpi xmlns:a14="http://schemas.microsoft.com/office/drawing/2010/main" val="0"/>
@@ -10127,7 +10335,7 @@
             <p:nvPr/>
           </p:nvPicPr>
           <p:blipFill>
-            <a:blip r:embed="rId1">
+            <a:blip r:embed="rId2">
               <a:extLst>
                 <a:ext uri="{28A0092B-C50C-407E-A947-70E740481C1C}">
                   <a14:useLocalDpi xmlns:a14="http://schemas.microsoft.com/office/drawing/2010/main" val="0"/>
@@ -10887,7 +11095,7 @@
           <p:nvPr/>
         </p:nvPicPr>
         <p:blipFill>
-          <a:blip r:embed="rId1">
+          <a:blip r:embed="rId2">
             <a:extLst>
               <a:ext uri="{28A0092B-C50C-407E-A947-70E740481C1C}">
                 <a14:useLocalDpi xmlns:a14="http://schemas.microsoft.com/office/drawing/2010/main" val="0"/>
@@ -11222,7 +11430,7 @@
           <p:nvPr/>
         </p:nvPicPr>
         <p:blipFill>
-          <a:blip r:embed="rId1">
+          <a:blip r:embed="rId2">
             <a:extLst>
               <a:ext uri="{28A0092B-C50C-407E-A947-70E740481C1C}">
                 <a14:useLocalDpi xmlns:a14="http://schemas.microsoft.com/office/drawing/2010/main" val="0"/>
@@ -11771,7 +11979,7 @@
           <p:nvPr/>
         </p:nvPicPr>
         <p:blipFill>
-          <a:blip r:embed="rId1">
+          <a:blip r:embed="rId2">
             <a:extLst>
               <a:ext uri="{28A0092B-C50C-407E-A947-70E740481C1C}">
                 <a14:useLocalDpi xmlns:a14="http://schemas.microsoft.com/office/drawing/2010/main" val="0"/>
@@ -11914,7 +12122,6 @@
               <a:rPr lang="en-US" altLang="zh-CN" sz="4000" b="1" dirty="0"/>
               <a:t>4 Compile, Link and Run C/C++ Programs</a:t>
             </a:r>
-            <a:endParaRPr lang="en-US" altLang="zh-CN" sz="4000" b="1" dirty="0"/>
           </a:p>
         </p:txBody>
       </p:sp>
@@ -11966,7 +12173,7 @@
             <p:nvPr/>
           </p:nvPicPr>
           <p:blipFill>
-            <a:blip r:embed="rId1">
+            <a:blip r:embed="rId2">
               <a:extLst>
                 <a:ext uri="{28A0092B-C50C-407E-A947-70E740481C1C}">
                   <a14:useLocalDpi xmlns:a14="http://schemas.microsoft.com/office/drawing/2010/main" val="0"/>
@@ -12518,7 +12725,7 @@
           <p:nvPr/>
         </p:nvPicPr>
         <p:blipFill>
-          <a:blip r:embed="rId1">
+          <a:blip r:embed="rId2">
             <a:extLst>
               <a:ext uri="{28A0092B-C50C-407E-A947-70E740481C1C}">
                 <a14:useLocalDpi xmlns:a14="http://schemas.microsoft.com/office/drawing/2010/main" val="0"/>
@@ -12894,7 +13101,7 @@
           <p:nvPr/>
         </p:nvPicPr>
         <p:blipFill>
-          <a:blip r:embed="rId1">
+          <a:blip r:embed="rId2">
             <a:extLst>
               <a:ext uri="{28A0092B-C50C-407E-A947-70E740481C1C}">
                 <a14:useLocalDpi xmlns:a14="http://schemas.microsoft.com/office/drawing/2010/main" val="0"/>
@@ -13160,7 +13367,7 @@
           <p:nvPr/>
         </p:nvPicPr>
         <p:blipFill>
-          <a:blip r:embed="rId1">
+          <a:blip r:embed="rId2">
             <a:extLst>
               <a:ext uri="{28A0092B-C50C-407E-A947-70E740481C1C}">
                 <a14:useLocalDpi xmlns:a14="http://schemas.microsoft.com/office/drawing/2010/main" val="0"/>
@@ -14197,7 +14404,7 @@
           <p:nvPr/>
         </p:nvPicPr>
         <p:blipFill>
-          <a:blip r:embed="rId1">
+          <a:blip r:embed="rId2">
             <a:extLst>
               <a:ext uri="{28A0092B-C50C-407E-A947-70E740481C1C}">
                 <a14:useLocalDpi xmlns:a14="http://schemas.microsoft.com/office/drawing/2010/main" val="0"/>
@@ -15061,7 +15268,6 @@
               <a:rPr lang="en-US" altLang="zh-CN" dirty="0"/>
               <a:t>inux</a:t>
             </a:r>
-            <a:endParaRPr lang="en-US" altLang="zh-CN" dirty="0"/>
           </a:p>
           <a:p>
             <a:pPr lvl="1"/>
@@ -15110,7 +15316,7 @@
           <p:nvPr/>
         </p:nvPicPr>
         <p:blipFill>
-          <a:blip r:embed="rId1"/>
+          <a:blip r:embed="rId2"/>
           <a:stretch>
             <a:fillRect/>
           </a:stretch>
@@ -15233,7 +15439,7 @@
           <p:nvPr/>
         </p:nvPicPr>
         <p:blipFill>
-          <a:blip r:embed="rId2"/>
+          <a:blip r:embed="rId3"/>
           <a:stretch>
             <a:fillRect/>
           </a:stretch>
@@ -15542,7 +15748,7 @@
           <p:nvPr/>
         </p:nvPicPr>
         <p:blipFill>
-          <a:blip r:embed="rId1">
+          <a:blip r:embed="rId2">
             <a:extLst>
               <a:ext uri="{28A0092B-C50C-407E-A947-70E740481C1C}">
                 <a14:useLocalDpi xmlns:a14="http://schemas.microsoft.com/office/drawing/2010/main" val="0"/>
@@ -15988,7 +16194,7 @@
           <p:nvPr/>
         </p:nvPicPr>
         <p:blipFill>
-          <a:blip r:embed="rId1">
+          <a:blip r:embed="rId2">
             <a:extLst>
               <a:ext uri="{28A0092B-C50C-407E-A947-70E740481C1C}">
                 <a14:useLocalDpi xmlns:a14="http://schemas.microsoft.com/office/drawing/2010/main" val="0"/>
@@ -16254,7 +16460,7 @@
           <p:nvPr/>
         </p:nvPicPr>
         <p:blipFill>
-          <a:blip r:embed="rId1">
+          <a:blip r:embed="rId2">
             <a:extLst>
               <a:ext uri="{28A0092B-C50C-407E-A947-70E740481C1C}">
                 <a14:useLocalDpi xmlns:a14="http://schemas.microsoft.com/office/drawing/2010/main" val="0"/>
@@ -16669,7 +16875,7 @@
           <p:nvPr/>
         </p:nvPicPr>
         <p:blipFill>
-          <a:blip r:embed="rId1">
+          <a:blip r:embed="rId2">
             <a:extLst>
               <a:ext uri="{28A0092B-C50C-407E-A947-70E740481C1C}">
                 <a14:useLocalDpi xmlns:a14="http://schemas.microsoft.com/office/drawing/2010/main" val="0"/>
@@ -17263,13 +17469,6 @@
                 </a:rPr>
                 <a:t>compile</a:t>
               </a:r>
-              <a:endParaRPr lang="en-US" altLang="zh-CN" b="1" dirty="0">
-                <a:solidFill>
-                  <a:srgbClr val="FF0000"/>
-                </a:solidFill>
-                <a:latin typeface="Calibri" panose="020F0502020204030204"/>
-                <a:ea typeface="宋体" panose="02010600030101010101" pitchFamily="2" charset="-122"/>
-              </a:endParaRPr>
             </a:p>
             <a:p>
               <a:pPr>
@@ -18011,13 +18210,6 @@
                 </a:rPr>
                 <a:t>compile</a:t>
               </a:r>
-              <a:endParaRPr lang="en-US" altLang="zh-CN" b="1" dirty="0">
-                <a:solidFill>
-                  <a:srgbClr val="FF0000"/>
-                </a:solidFill>
-                <a:latin typeface="Calibri" panose="020F0502020204030204"/>
-                <a:ea typeface="宋体" panose="02010600030101010101" pitchFamily="2" charset="-122"/>
-              </a:endParaRPr>
             </a:p>
             <a:p>
               <a:pPr>
@@ -19072,7 +19264,7 @@
             <p:nvPr/>
           </p:nvPicPr>
           <p:blipFill>
-            <a:blip r:embed="rId1">
+            <a:blip r:embed="rId3">
               <a:extLst>
                 <a:ext uri="{28A0092B-C50C-407E-A947-70E740481C1C}">
                   <a14:useLocalDpi xmlns:a14="http://schemas.microsoft.com/office/drawing/2010/main" val="0"/>
@@ -19136,7 +19328,7 @@
             <p:nvPr/>
           </p:nvPicPr>
           <p:blipFill>
-            <a:blip r:embed="rId2">
+            <a:blip r:embed="rId4">
               <a:extLst>
                 <a:ext uri="{28A0092B-C50C-407E-A947-70E740481C1C}">
                   <a14:useLocalDpi xmlns:a14="http://schemas.microsoft.com/office/drawing/2010/main" val="0"/>
@@ -19388,7 +19580,6 @@
               <a:rPr lang="en-US" altLang="zh-CN" sz="4000" b="1" dirty="0"/>
               <a:t>5 Terminal Output</a:t>
             </a:r>
-            <a:endParaRPr lang="en-US" altLang="zh-CN" sz="4000" b="1" dirty="0"/>
           </a:p>
         </p:txBody>
       </p:sp>
@@ -19546,7 +19737,7 @@
           <p:nvPr/>
         </p:nvPicPr>
         <p:blipFill>
-          <a:blip r:embed="rId1">
+          <a:blip r:embed="rId2">
             <a:extLst>
               <a:ext uri="{28A0092B-C50C-407E-A947-70E740481C1C}">
                 <a14:useLocalDpi xmlns:a14="http://schemas.microsoft.com/office/drawing/2010/main" val="0"/>
@@ -19610,7 +19801,7 @@
           <p:nvPr/>
         </p:nvPicPr>
         <p:blipFill>
-          <a:blip r:embed="rId2">
+          <a:blip r:embed="rId3">
             <a:extLst>
               <a:ext uri="{28A0092B-C50C-407E-A947-70E740481C1C}">
                 <a14:useLocalDpi xmlns:a14="http://schemas.microsoft.com/office/drawing/2010/main" val="0"/>
@@ -19688,7 +19879,7 @@
             <p:nvPr/>
           </p:nvPicPr>
           <p:blipFill>
-            <a:blip r:embed="rId3">
+            <a:blip r:embed="rId4">
               <a:extLst>
                 <a:ext uri="{28A0092B-C50C-407E-A947-70E740481C1C}">
                   <a14:useLocalDpi xmlns:a14="http://schemas.microsoft.com/office/drawing/2010/main" val="0"/>
@@ -19797,7 +19988,7 @@
             <p:nvPr/>
           </p:nvPicPr>
           <p:blipFill>
-            <a:blip r:embed="rId4">
+            <a:blip r:embed="rId5">
               <a:extLst>
                 <a:ext uri="{28A0092B-C50C-407E-A947-70E740481C1C}">
                   <a14:useLocalDpi xmlns:a14="http://schemas.microsoft.com/office/drawing/2010/main" val="0"/>
@@ -20037,7 +20228,7 @@
           <p:nvPr/>
         </p:nvPicPr>
         <p:blipFill>
-          <a:blip r:embed="rId1">
+          <a:blip r:embed="rId3">
             <a:extLst>
               <a:ext uri="{28A0092B-C50C-407E-A947-70E740481C1C}">
                 <a14:useLocalDpi xmlns:a14="http://schemas.microsoft.com/office/drawing/2010/main" val="0"/>
@@ -20493,14 +20684,6 @@
               </a:rPr>
               <a:t>6.1 Exercises</a:t>
             </a:r>
-            <a:endParaRPr lang="en-US" altLang="zh-CN" sz="3600" b="1" dirty="0">
-              <a:solidFill>
-                <a:prstClr val="black"/>
-              </a:solidFill>
-              <a:latin typeface="+mn-lt"/>
-              <a:ea typeface="+mn-ea"/>
-              <a:cs typeface="+mn-cs"/>
-            </a:endParaRPr>
           </a:p>
         </p:txBody>
       </p:sp>
@@ -20530,7 +20713,6 @@
               <a:rPr lang="en-US" altLang="zh-CN" sz="2800" dirty="0"/>
               <a:t>Write a program to initialize three variables which equal to 0.1, 0.2, 0.3, then print them with two decimal points.</a:t>
             </a:r>
-            <a:endParaRPr lang="en-US" altLang="zh-CN" sz="2800" dirty="0"/>
           </a:p>
         </p:txBody>
       </p:sp>
@@ -20543,7 +20725,7 @@
           <p:nvPr/>
         </p:nvPicPr>
         <p:blipFill>
-          <a:blip r:embed="rId1"/>
+          <a:blip r:embed="rId3"/>
           <a:stretch>
             <a:fillRect/>
           </a:stretch>
@@ -20581,10 +20763,25 @@
           <a:lstStyle/>
           <a:p>
             <a:r>
-              <a:rPr lang="en-US" altLang="zh-CN" sz="2800"/>
-              <a:t>Your output should look like something above. You can use printf to achieve this, or you can explore the cout way.</a:t>
-            </a:r>
-            <a:endParaRPr lang="en-US" altLang="zh-CN" sz="2800"/>
+              <a:rPr lang="en-US" altLang="zh-CN" sz="2800" dirty="0"/>
+              <a:t>Your output should look like something above. You can use </a:t>
+            </a:r>
+            <a:r>
+              <a:rPr lang="en-US" altLang="zh-CN" sz="2800" dirty="0" err="1"/>
+              <a:t>printf</a:t>
+            </a:r>
+            <a:r>
+              <a:rPr lang="en-US" altLang="zh-CN" sz="2800" dirty="0"/>
+              <a:t> to achieve this, or you can explore the </a:t>
+            </a:r>
+            <a:r>
+              <a:rPr lang="en-US" altLang="zh-CN" sz="2800" dirty="0" err="1"/>
+              <a:t>cout</a:t>
+            </a:r>
+            <a:r>
+              <a:rPr lang="en-US" altLang="zh-CN" sz="2800" dirty="0"/>
+              <a:t> way.</a:t>
+            </a:r>
           </a:p>
         </p:txBody>
       </p:sp>
@@ -20646,14 +20843,6 @@
               </a:rPr>
               <a:t>6.2 Exercises</a:t>
             </a:r>
-            <a:endParaRPr lang="en-US" altLang="zh-CN" sz="3600" b="1" dirty="0">
-              <a:solidFill>
-                <a:prstClr val="black"/>
-              </a:solidFill>
-              <a:latin typeface="+mn-lt"/>
-              <a:ea typeface="+mn-ea"/>
-              <a:cs typeface="+mn-cs"/>
-            </a:endParaRPr>
           </a:p>
         </p:txBody>
       </p:sp>
@@ -20683,7 +20872,6 @@
               <a:rPr lang="en-US" altLang="zh-CN" sz="2400" dirty="0"/>
               <a:t>Copy the following code into 3 files, and compile them together to an executable file. Find the bugs if there are some.</a:t>
             </a:r>
-            <a:endParaRPr lang="en-US" altLang="zh-CN" sz="2400" dirty="0"/>
           </a:p>
           <a:p>
             <a:r>
@@ -20712,7 +20900,6 @@
               <a:rPr lang="en-US" altLang="zh-CN" sz="2400" dirty="0"/>
               <a:t>Step 3: Link the two object files.</a:t>
             </a:r>
-            <a:endParaRPr lang="en-US" altLang="zh-CN" sz="2400" dirty="0"/>
           </a:p>
         </p:txBody>
       </p:sp>
@@ -20885,12 +21072,6 @@
               </a:rPr>
               <a:t>()</a:t>
             </a:r>
-            <a:endParaRPr lang="en-US" altLang="zh-CN" sz="1100" dirty="0">
-              <a:solidFill>
-                <a:srgbClr val="000000"/>
-              </a:solidFill>
-              <a:latin typeface="Menlo" panose="020B0609030804020204" pitchFamily="49" charset="0"/>
-            </a:endParaRPr>
           </a:p>
           <a:p>
             <a:pPr marL="0" indent="0">
@@ -20905,12 +21086,6 @@
               </a:rPr>
               <a:t>{</a:t>
             </a:r>
-            <a:endParaRPr lang="en-US" altLang="zh-CN" sz="1100" dirty="0">
-              <a:solidFill>
-                <a:srgbClr val="000000"/>
-              </a:solidFill>
-              <a:latin typeface="Menlo" panose="020B0609030804020204" pitchFamily="49" charset="0"/>
-            </a:endParaRPr>
           </a:p>
           <a:p>
             <a:pPr marL="0" indent="0">
@@ -20979,12 +21154,6 @@
               </a:rPr>
               <a:t>;</a:t>
             </a:r>
-            <a:endParaRPr lang="en-US" altLang="zh-CN" sz="1100" dirty="0">
-              <a:solidFill>
-                <a:srgbClr val="000000"/>
-              </a:solidFill>
-              <a:latin typeface="Menlo" panose="020B0609030804020204" pitchFamily="49" charset="0"/>
-            </a:endParaRPr>
           </a:p>
           <a:p>
             <a:pPr marL="0" indent="0">
@@ -21053,12 +21222,6 @@
               </a:rPr>
               <a:t>;</a:t>
             </a:r>
-            <a:endParaRPr lang="en-US" altLang="zh-CN" sz="1100" dirty="0">
-              <a:solidFill>
-                <a:srgbClr val="000000"/>
-              </a:solidFill>
-              <a:latin typeface="Menlo" panose="020B0609030804020204" pitchFamily="49" charset="0"/>
-            </a:endParaRPr>
           </a:p>
           <a:p>
             <a:pPr marL="0" indent="0">
@@ -21127,12 +21290,6 @@
               </a:rPr>
               <a:t>;</a:t>
             </a:r>
-            <a:endParaRPr lang="en-US" altLang="zh-CN" sz="1100" dirty="0">
-              <a:solidFill>
-                <a:srgbClr val="000000"/>
-              </a:solidFill>
-              <a:latin typeface="Menlo" panose="020B0609030804020204" pitchFamily="49" charset="0"/>
-            </a:endParaRPr>
           </a:p>
           <a:p>
             <a:pPr marL="0" indent="0">
@@ -21236,12 +21393,6 @@
               </a:rPr>
               <a:t>；</a:t>
             </a:r>
-            <a:endParaRPr lang="zh-CN" altLang="en-US" sz="1100" dirty="0">
-              <a:solidFill>
-                <a:srgbClr val="000000"/>
-              </a:solidFill>
-              <a:latin typeface="Menlo" panose="020B0609030804020204" pitchFamily="49" charset="0"/>
-            </a:endParaRPr>
           </a:p>
           <a:p>
             <a:pPr marL="0" indent="0">
@@ -21318,12 +21469,6 @@
               </a:rPr>
               <a:t>;</a:t>
             </a:r>
-            <a:endParaRPr lang="en-US" altLang="zh-CN" sz="1100" dirty="0">
-              <a:solidFill>
-                <a:srgbClr val="000000"/>
-              </a:solidFill>
-              <a:latin typeface="Menlo" panose="020B0609030804020204" pitchFamily="49" charset="0"/>
-            </a:endParaRPr>
           </a:p>
           <a:p>
             <a:pPr marL="0" indent="0">
@@ -21365,12 +21510,6 @@
               </a:rPr>
               <a:t>;</a:t>
             </a:r>
-            <a:endParaRPr lang="en-US" altLang="zh-CN" sz="1100" dirty="0">
-              <a:solidFill>
-                <a:srgbClr val="000000"/>
-              </a:solidFill>
-              <a:latin typeface="Menlo" panose="020B0609030804020204" pitchFamily="49" charset="0"/>
-            </a:endParaRPr>
           </a:p>
           <a:p>
             <a:pPr marL="0" indent="0">
@@ -21385,12 +21524,6 @@
               </a:rPr>
               <a:t>}</a:t>
             </a:r>
-            <a:endParaRPr lang="en-US" altLang="zh-CN" sz="1100" dirty="0">
-              <a:solidFill>
-                <a:srgbClr val="000000"/>
-              </a:solidFill>
-              <a:latin typeface="Menlo" panose="020B0609030804020204" pitchFamily="49" charset="0"/>
-            </a:endParaRPr>
           </a:p>
         </p:txBody>
       </p:sp>
@@ -22217,12 +22350,6 @@
               </a:rPr>
               <a:t>);</a:t>
             </a:r>
-            <a:endParaRPr lang="en-US" altLang="zh-CN" sz="1100" dirty="0">
-              <a:solidFill>
-                <a:srgbClr val="000000"/>
-              </a:solidFill>
-              <a:latin typeface="Menlo" panose="020B0609030804020204" pitchFamily="49" charset="0"/>
-            </a:endParaRPr>
           </a:p>
           <a:p>
             <a:pPr marL="0" indent="0">
@@ -22237,12 +22364,6 @@
               </a:rPr>
               <a:t>{</a:t>
             </a:r>
-            <a:endParaRPr lang="en-US" altLang="zh-CN" sz="1100" dirty="0">
-              <a:solidFill>
-                <a:srgbClr val="000000"/>
-              </a:solidFill>
-              <a:latin typeface="Menlo" panose="020B0609030804020204" pitchFamily="49" charset="0"/>
-            </a:endParaRPr>
           </a:p>
           <a:p>
             <a:pPr marL="0" indent="0">
@@ -22266,12 +22387,6 @@
               </a:rPr>
               <a:t> n1 + n2;</a:t>
             </a:r>
-            <a:endParaRPr lang="en-US" altLang="zh-CN" sz="1100" dirty="0">
-              <a:solidFill>
-                <a:srgbClr val="000000"/>
-              </a:solidFill>
-              <a:latin typeface="Menlo" panose="020B0609030804020204" pitchFamily="49" charset="0"/>
-            </a:endParaRPr>
           </a:p>
           <a:p>
             <a:pPr marL="0" indent="0">
@@ -22286,12 +22401,6 @@
               </a:rPr>
               <a:t>}</a:t>
             </a:r>
-            <a:endParaRPr lang="en-US" altLang="zh-CN" sz="1100" dirty="0">
-              <a:solidFill>
-                <a:srgbClr val="000000"/>
-              </a:solidFill>
-              <a:latin typeface="Menlo" panose="020B0609030804020204" pitchFamily="49" charset="0"/>
-            </a:endParaRPr>
           </a:p>
           <a:p>
             <a:pPr marL="0" indent="0">
@@ -22395,7 +22504,7 @@
           <p:nvPr/>
         </p:nvPicPr>
         <p:blipFill>
-          <a:blip r:embed="rId1"/>
+          <a:blip r:embed="rId2"/>
           <a:stretch>
             <a:fillRect/>
           </a:stretch>
@@ -22419,7 +22528,7 @@
           <p:nvPr/>
         </p:nvPicPr>
         <p:blipFill>
-          <a:blip r:embed="rId2"/>
+          <a:blip r:embed="rId3"/>
           <a:stretch>
             <a:fillRect/>
           </a:stretch>
@@ -22814,7 +22923,6 @@
               <a:rPr lang="en-US" altLang="zh-CN" dirty="0"/>
               <a:t>: enable the Windows Subsystem for Linux</a:t>
             </a:r>
-            <a:endParaRPr lang="en-US" altLang="zh-CN" dirty="0"/>
           </a:p>
           <a:p>
             <a:pPr lvl="1"/>
@@ -22822,7 +22930,6 @@
               <a:rPr lang="en-US" altLang="zh-CN" dirty="0"/>
               <a:t>Check Prerequisites: You must be running Windows 10 version 2004 and higher (Build 19041 and higher) or Windows 11.</a:t>
             </a:r>
-            <a:endParaRPr lang="en-US" altLang="zh-CN" dirty="0"/>
           </a:p>
           <a:p>
             <a:pPr lvl="1"/>
@@ -22862,7 +22969,6 @@
               <a:rPr lang="en-US" altLang="zh-CN" dirty="0"/>
               <a:t>.</a:t>
             </a:r>
-            <a:endParaRPr lang="en-US" altLang="zh-CN" dirty="0"/>
           </a:p>
           <a:p>
             <a:pPr lvl="1"/>
@@ -23300,12 +23406,12 @@
           <a:graphicData uri="http://schemas.openxmlformats.org/presentationml/2006/ole">
             <mc:AlternateContent xmlns:mc="http://schemas.openxmlformats.org/markup-compatibility/2006">
               <mc:Choice xmlns:v="urn:schemas-microsoft-com:vml" Requires="v">
-                <p:oleObj spid="_x0000_s0" name="Image" r:id="rId1" imgW="9420225" imgH="8124825" progId="Photoshop.Image.13">
+                <p:oleObj name="Image" r:id="rId3" imgW="9420225" imgH="8124825" progId="Photoshop.Image.13">
                   <p:embed/>
                 </p:oleObj>
               </mc:Choice>
               <mc:Fallback>
-                <p:oleObj name="Image" r:id="rId1" imgW="9420225" imgH="8124825" progId="Photoshop.Image.13">
+                <p:oleObj name="Image" r:id="rId3" imgW="9420225" imgH="8124825" progId="Photoshop.Image.13">
                   <p:embed/>
                   <p:pic>
                     <p:nvPicPr>
@@ -23314,7 +23420,7 @@
                       <p:nvPr/>
                     </p:nvPicPr>
                     <p:blipFill>
-                      <a:blip r:embed="rId2"/>
+                      <a:blip r:embed="rId4"/>
                       <a:stretch>
                         <a:fillRect/>
                       </a:stretch>
@@ -23633,7 +23739,6 @@
               <a:rPr lang="en-US" altLang="zh-CN" dirty="0"/>
               <a:t>: enable the Windows Subsystem for Linux</a:t>
             </a:r>
-            <a:endParaRPr lang="en-US" altLang="zh-CN" dirty="0"/>
           </a:p>
           <a:p>
             <a:pPr lvl="1"/>
@@ -23905,7 +24010,7 @@
           <p:nvPr/>
         </p:nvPicPr>
         <p:blipFill>
-          <a:blip r:embed="rId1"/>
+          <a:blip r:embed="rId2"/>
           <a:stretch>
             <a:fillRect/>
           </a:stretch>
@@ -23929,7 +24034,7 @@
           <p:nvPr/>
         </p:nvPicPr>
         <p:blipFill>
-          <a:blip r:embed="rId2"/>
+          <a:blip r:embed="rId3"/>
           <a:stretch>
             <a:fillRect/>
           </a:stretch>
@@ -24467,7 +24572,7 @@
           <p:nvPr/>
         </p:nvPicPr>
         <p:blipFill>
-          <a:blip r:embed="rId1">
+          <a:blip r:embed="rId3">
             <a:extLst>
               <a:ext uri="{28A0092B-C50C-407E-A947-70E740481C1C}">
                 <a14:useLocalDpi xmlns:a14="http://schemas.microsoft.com/office/drawing/2010/main" val="0"/>
@@ -25258,7 +25363,7 @@
           <p:nvPr/>
         </p:nvPicPr>
         <p:blipFill>
-          <a:blip r:embed="rId1"/>
+          <a:blip r:embed="rId3"/>
           <a:stretch>
             <a:fillRect/>
           </a:stretch>
@@ -25379,20 +25484,6 @@
               </a:rPr>
               <a:t>and return the command instruction, it means that the default Ubuntu is not fit to your system(If you input the wrong command, it shows you the same window).</a:t>
             </a:r>
-            <a:endParaRPr kumimoji="0" lang="en-US" altLang="zh-CN" sz="2000" b="0" i="0" u="none" strike="noStrike" kern="1200" cap="none" spc="0" normalizeH="0" baseline="0" noProof="0" dirty="0">
-              <a:ln>
-                <a:noFill/>
-              </a:ln>
-              <a:solidFill>
-                <a:prstClr val="black"/>
-              </a:solidFill>
-              <a:effectLst/>
-              <a:uLnTx/>
-              <a:uFillTx/>
-              <a:latin typeface="Calibri" panose="020F0502020204030204"/>
-              <a:ea typeface="等线" panose="02010600030101010101" charset="-122"/>
-              <a:cs typeface="+mn-cs"/>
-            </a:endParaRPr>
           </a:p>
         </p:txBody>
       </p:sp>
@@ -25425,7 +25516,6 @@
               <a:rPr lang="en-US" altLang="zh-CN" sz="2000" dirty="0"/>
               <a:t>At this time, you need open PowerShell as administrator and run:</a:t>
             </a:r>
-            <a:endParaRPr lang="en-US" altLang="zh-CN" sz="2000" dirty="0"/>
           </a:p>
           <a:p>
             <a:pPr marL="0" indent="0">
@@ -25488,7 +25578,7 @@
           <p:nvPr/>
         </p:nvPicPr>
         <p:blipFill>
-          <a:blip r:embed="rId2"/>
+          <a:blip r:embed="rId4"/>
           <a:stretch>
             <a:fillRect/>
           </a:stretch>
@@ -25666,7 +25756,6 @@
               <a:rPr lang="en-US" altLang="zh-CN" dirty="0"/>
               <a:t>, search for your preferred Linux distribution (Ubuntu), get and install it in your computer according to the guidance.</a:t>
             </a:r>
-            <a:endParaRPr lang="en-US" altLang="zh-CN" dirty="0"/>
           </a:p>
           <a:p>
             <a:endParaRPr lang="zh-CN" altLang="en-US" dirty="0"/>
@@ -26019,7 +26108,7 @@
           <p:nvPr/>
         </p:nvPicPr>
         <p:blipFill>
-          <a:blip r:embed="rId1">
+          <a:blip r:embed="rId3">
             <a:extLst>
               <a:ext uri="{28A0092B-C50C-407E-A947-70E740481C1C}">
                 <a14:useLocalDpi xmlns:a14="http://schemas.microsoft.com/office/drawing/2010/main" val="0"/>
@@ -26152,7 +26241,6 @@
                 <a:rPr lang="en-US" altLang="zh-CN" dirty="0"/>
                 <a:t>new UNIX username and new password.</a:t>
               </a:r>
-              <a:endParaRPr lang="en-US" altLang="zh-CN" dirty="0"/>
             </a:p>
             <a:p>
               <a:pPr algn="ctr"/>
@@ -26160,7 +26248,6 @@
                 <a:rPr lang="en-US" altLang="zh-CN" dirty="0"/>
                 <a:t>Remember your username and password. </a:t>
               </a:r>
-              <a:endParaRPr lang="en-US" altLang="zh-CN" dirty="0"/>
             </a:p>
             <a:p>
               <a:pPr algn="ctr"/>
@@ -26693,6 +26780,8 @@
       </a:bgFillStyleLst>
     </a:fmtScheme>
   </a:themeElements>
+  <a:objectDefaults/>
+  <a:extraClrSchemeLst/>
   <a:extLst>
     <a:ext uri="{05A4C25C-085E-4340-85A3-A5531E510DB2}">
       <thm15:themeFamily xmlns:thm15="http://schemas.microsoft.com/office/thememl/2012/main" name="Office Theme" id="{62F939B6-93AF-4DB8-9C6B-D6C7DFDC589F}" vid="{4A3C46E8-61CC-4603-A589-7422A47A8E4A}"/>
@@ -26952,6 +27041,8 @@
       </a:bgFillStyleLst>
     </a:fmtScheme>
   </a:themeElements>
+  <a:objectDefaults/>
+  <a:extraClrSchemeLst/>
   <a:extLst>
     <a:ext uri="{05A4C25C-085E-4340-85A3-A5531E510DB2}">
       <thm15:themeFamily xmlns:thm15="http://schemas.microsoft.com/office/thememl/2012/main" name="Office Theme" id="{62F939B6-93AF-4DB8-9C6B-D6C7DFDC589F}" vid="{4A3C46E8-61CC-4603-A589-7422A47A8E4A}"/>

--- a/week01/Lab01.pptx
+++ b/week01/Lab01.pptx
@@ -234,7 +234,7 @@
           <a:p>
             <a:fld id="{40D9677D-AFDD-4D13-A50E-0F3357730A11}" type="datetimeFigureOut">
               <a:rPr lang="zh-CN" altLang="en-US" smtClean="0"/>
-              <a:t>2025/9/19</a:t>
+              <a:t>2025/10/10</a:t>
             </a:fld>
             <a:endParaRPr lang="zh-CN" altLang="en-US"/>
           </a:p>
@@ -1616,7 +1616,7 @@
           <a:p>
             <a:fld id="{FC19A4FA-3D9A-4114-B0D5-759CBD56F1AB}" type="datetimeFigureOut">
               <a:rPr lang="zh-CN" altLang="en-US" smtClean="0"/>
-              <a:t>2025/9/19</a:t>
+              <a:t>2025/10/10</a:t>
             </a:fld>
             <a:endParaRPr lang="zh-CN" altLang="en-US"/>
           </a:p>
@@ -1810,7 +1810,7 @@
           <a:p>
             <a:fld id="{FC19A4FA-3D9A-4114-B0D5-759CBD56F1AB}" type="datetimeFigureOut">
               <a:rPr lang="zh-CN" altLang="en-US" smtClean="0"/>
-              <a:t>2025/9/19</a:t>
+              <a:t>2025/10/10</a:t>
             </a:fld>
             <a:endParaRPr lang="zh-CN" altLang="en-US"/>
           </a:p>
@@ -1983,7 +1983,7 @@
           <a:p>
             <a:fld id="{FC19A4FA-3D9A-4114-B0D5-759CBD56F1AB}" type="datetimeFigureOut">
               <a:rPr lang="zh-CN" altLang="en-US" smtClean="0"/>
-              <a:t>2025/9/19</a:t>
+              <a:t>2025/10/10</a:t>
             </a:fld>
             <a:endParaRPr lang="zh-CN" altLang="en-US"/>
           </a:p>
@@ -2167,7 +2167,7 @@
           <a:p>
             <a:fld id="{FC19A4FA-3D9A-4114-B0D5-759CBD56F1AB}" type="datetimeFigureOut">
               <a:rPr lang="zh-CN" altLang="en-US" smtClean="0"/>
-              <a:t>2025/9/19</a:t>
+              <a:t>2025/10/10</a:t>
             </a:fld>
             <a:endParaRPr lang="zh-CN" altLang="en-US"/>
           </a:p>
@@ -2424,7 +2424,7 @@
           <a:p>
             <a:fld id="{FC19A4FA-3D9A-4114-B0D5-759CBD56F1AB}" type="datetimeFigureOut">
               <a:rPr lang="zh-CN" altLang="en-US" smtClean="0"/>
-              <a:t>2025/9/19</a:t>
+              <a:t>2025/10/10</a:t>
             </a:fld>
             <a:endParaRPr lang="zh-CN" altLang="en-US"/>
           </a:p>
@@ -2811,7 +2811,7 @@
           <a:p>
             <a:fld id="{FC19A4FA-3D9A-4114-B0D5-759CBD56F1AB}" type="datetimeFigureOut">
               <a:rPr lang="zh-CN" altLang="en-US" smtClean="0"/>
-              <a:t>2025/9/19</a:t>
+              <a:t>2025/10/10</a:t>
             </a:fld>
             <a:endParaRPr lang="zh-CN" altLang="en-US"/>
           </a:p>
@@ -3079,7 +3079,7 @@
           <a:p>
             <a:fld id="{FC19A4FA-3D9A-4114-B0D5-759CBD56F1AB}" type="datetimeFigureOut">
               <a:rPr lang="zh-CN" altLang="en-US" smtClean="0"/>
-              <a:t>2025/9/19</a:t>
+              <a:t>2025/10/10</a:t>
             </a:fld>
             <a:endParaRPr lang="zh-CN" altLang="en-US"/>
           </a:p>
@@ -3219,7 +3219,7 @@
           <a:p>
             <a:fld id="{FC19A4FA-3D9A-4114-B0D5-759CBD56F1AB}" type="datetimeFigureOut">
               <a:rPr lang="zh-CN" altLang="en-US" smtClean="0"/>
-              <a:t>2025/9/19</a:t>
+              <a:t>2025/10/10</a:t>
             </a:fld>
             <a:endParaRPr lang="zh-CN" altLang="en-US"/>
           </a:p>
@@ -3309,7 +3309,7 @@
           <a:p>
             <a:fld id="{FC19A4FA-3D9A-4114-B0D5-759CBD56F1AB}" type="datetimeFigureOut">
               <a:rPr lang="zh-CN" altLang="en-US" smtClean="0"/>
-              <a:t>2025/9/19</a:t>
+              <a:t>2025/10/10</a:t>
             </a:fld>
             <a:endParaRPr lang="zh-CN" altLang="en-US"/>
           </a:p>
@@ -3579,7 +3579,7 @@
           <a:p>
             <a:fld id="{FC19A4FA-3D9A-4114-B0D5-759CBD56F1AB}" type="datetimeFigureOut">
               <a:rPr lang="zh-CN" altLang="en-US" smtClean="0"/>
-              <a:t>2025/9/19</a:t>
+              <a:t>2025/10/10</a:t>
             </a:fld>
             <a:endParaRPr lang="zh-CN" altLang="en-US"/>
           </a:p>
@@ -3826,7 +3826,7 @@
           <a:p>
             <a:fld id="{FC19A4FA-3D9A-4114-B0D5-759CBD56F1AB}" type="datetimeFigureOut">
               <a:rPr lang="zh-CN" altLang="en-US" smtClean="0"/>
-              <a:t>2025/9/19</a:t>
+              <a:t>2025/10/10</a:t>
             </a:fld>
             <a:endParaRPr lang="zh-CN" altLang="en-US"/>
           </a:p>
@@ -4032,7 +4032,7 @@
           <a:p>
             <a:fld id="{FC19A4FA-3D9A-4114-B0D5-759CBD56F1AB}" type="datetimeFigureOut">
               <a:rPr lang="zh-CN" altLang="en-US" smtClean="0"/>
-              <a:t>2025/9/19</a:t>
+              <a:t>2025/10/10</a:t>
             </a:fld>
             <a:endParaRPr lang="zh-CN" altLang="en-US"/>
           </a:p>
